--- a/slides/Lecture_11.pptx
+++ b/slides/Lecture_11.pptx
@@ -313,7 +313,7 @@
       </p15:sldGuideLst>
     </p:ext>
     <p:ext uri="http://customooxmlschemas.google.com/">
-      <go:slidesCustomData xmlns:go="http://customooxmlschemas.google.com/" r:id="rId14" roundtripDataSignature="AMtx7miYrSjXzpHbyhnV82CIJvzvbHCbTg=="/>
+      <go:slidesCustomData xmlns:go="http://customooxmlschemas.google.com/" r:id="rId14" roundtripDataSignature="AMtx7mi48SZ0GfGQh0Ep5qUWvwyoqN5SZQ=="/>
     </p:ext>
   </p:extLst>
 </p:presentation>
@@ -1006,7 +1006,7 @@
   <p:cSld>
     <p:spTree>
       <p:nvGrpSpPr>
-        <p:cNvPr id="57" name="Shape 57"/>
+        <p:cNvPr id="58" name="Shape 58"/>
         <p:cNvGrpSpPr/>
         <p:nvPr/>
       </p:nvGrpSpPr>
@@ -1020,7 +1020,7 @@
       </p:grpSpPr>
       <p:sp>
         <p:nvSpPr>
-          <p:cNvPr id="58" name="Google Shape;58;g103e8bb3d9b_0_0:notes"/>
+          <p:cNvPr id="59" name="Google Shape;59;g103e8bb3d9b_0_0:notes"/>
           <p:cNvSpPr/>
           <p:nvPr>
             <p:ph idx="2" type="sldImg"/>
@@ -1065,7 +1065,7 @@
       </p:sp>
       <p:sp>
         <p:nvSpPr>
-          <p:cNvPr id="59" name="Google Shape;59;g103e8bb3d9b_0_0:notes"/>
+          <p:cNvPr id="60" name="Google Shape;60;g103e8bb3d9b_0_0:notes"/>
           <p:cNvSpPr txBox="1"/>
           <p:nvPr>
             <p:ph idx="1" type="body"/>
@@ -1123,7 +1123,7 @@
   <p:cSld>
     <p:spTree>
       <p:nvGrpSpPr>
-        <p:cNvPr id="63" name="Shape 63"/>
+        <p:cNvPr id="65" name="Shape 65"/>
         <p:cNvGrpSpPr/>
         <p:nvPr/>
       </p:nvGrpSpPr>
@@ -1137,7 +1137,7 @@
       </p:grpSpPr>
       <p:sp>
         <p:nvSpPr>
-          <p:cNvPr id="64" name="Google Shape;64;g10a3da44617_0_256:notes"/>
+          <p:cNvPr id="66" name="Google Shape;66;g10a3da44617_0_256:notes"/>
           <p:cNvSpPr/>
           <p:nvPr>
             <p:ph idx="2" type="sldImg"/>
@@ -1182,7 +1182,7 @@
       </p:sp>
       <p:sp>
         <p:nvSpPr>
-          <p:cNvPr id="65" name="Google Shape;65;g10a3da44617_0_256:notes"/>
+          <p:cNvPr id="67" name="Google Shape;67;g10a3da44617_0_256:notes"/>
           <p:cNvSpPr txBox="1"/>
           <p:nvPr>
             <p:ph idx="1" type="body"/>
@@ -1240,7 +1240,7 @@
   <p:cSld>
     <p:spTree>
       <p:nvGrpSpPr>
-        <p:cNvPr id="77" name="Shape 77"/>
+        <p:cNvPr id="80" name="Shape 80"/>
         <p:cNvGrpSpPr/>
         <p:nvPr/>
       </p:nvGrpSpPr>
@@ -1254,7 +1254,7 @@
       </p:grpSpPr>
       <p:sp>
         <p:nvSpPr>
-          <p:cNvPr id="78" name="Google Shape;78;g10cc429f828_0_13:notes"/>
+          <p:cNvPr id="81" name="Google Shape;81;g10cc429f828_0_13:notes"/>
           <p:cNvSpPr/>
           <p:nvPr>
             <p:ph idx="2" type="sldImg"/>
@@ -1299,7 +1299,7 @@
       </p:sp>
       <p:sp>
         <p:nvSpPr>
-          <p:cNvPr id="79" name="Google Shape;79;g10cc429f828_0_13:notes"/>
+          <p:cNvPr id="82" name="Google Shape;82;g10cc429f828_0_13:notes"/>
           <p:cNvSpPr txBox="1"/>
           <p:nvPr>
             <p:ph idx="1" type="body"/>
@@ -1357,7 +1357,7 @@
   <p:cSld>
     <p:spTree>
       <p:nvGrpSpPr>
-        <p:cNvPr id="85" name="Shape 85"/>
+        <p:cNvPr id="89" name="Shape 89"/>
         <p:cNvGrpSpPr/>
         <p:nvPr/>
       </p:nvGrpSpPr>
@@ -1371,7 +1371,7 @@
       </p:grpSpPr>
       <p:sp>
         <p:nvSpPr>
-          <p:cNvPr id="86" name="Google Shape;86;g10cc429f828_0_66:notes"/>
+          <p:cNvPr id="90" name="Google Shape;90;g10cc429f828_0_66:notes"/>
           <p:cNvSpPr/>
           <p:nvPr>
             <p:ph idx="2" type="sldImg"/>
@@ -1416,7 +1416,7 @@
       </p:sp>
       <p:sp>
         <p:nvSpPr>
-          <p:cNvPr id="87" name="Google Shape;87;g10cc429f828_0_66:notes"/>
+          <p:cNvPr id="91" name="Google Shape;91;g10cc429f828_0_66:notes"/>
           <p:cNvSpPr txBox="1"/>
           <p:nvPr>
             <p:ph idx="1" type="body"/>
@@ -1474,7 +1474,7 @@
   <p:cSld>
     <p:spTree>
       <p:nvGrpSpPr>
-        <p:cNvPr id="94" name="Shape 94"/>
+        <p:cNvPr id="99" name="Shape 99"/>
         <p:cNvGrpSpPr/>
         <p:nvPr/>
       </p:nvGrpSpPr>
@@ -1488,7 +1488,7 @@
       </p:grpSpPr>
       <p:sp>
         <p:nvSpPr>
-          <p:cNvPr id="95" name="Google Shape;95;g10bf25ec2e7_0_0:notes"/>
+          <p:cNvPr id="100" name="Google Shape;100;g10bf25ec2e7_0_0:notes"/>
           <p:cNvSpPr/>
           <p:nvPr>
             <p:ph idx="2" type="sldImg"/>
@@ -1533,7 +1533,7 @@
       </p:sp>
       <p:sp>
         <p:nvSpPr>
-          <p:cNvPr id="96" name="Google Shape;96;g10bf25ec2e7_0_0:notes"/>
+          <p:cNvPr id="101" name="Google Shape;101;g10bf25ec2e7_0_0:notes"/>
           <p:cNvSpPr txBox="1"/>
           <p:nvPr>
             <p:ph idx="1" type="body"/>
@@ -1591,7 +1591,7 @@
   <p:cSld>
     <p:spTree>
       <p:nvGrpSpPr>
-        <p:cNvPr id="132" name="Shape 132"/>
+        <p:cNvPr id="138" name="Shape 138"/>
         <p:cNvGrpSpPr/>
         <p:nvPr/>
       </p:nvGrpSpPr>
@@ -1605,7 +1605,7 @@
       </p:grpSpPr>
       <p:sp>
         <p:nvSpPr>
-          <p:cNvPr id="133" name="Google Shape;133;g10cea81d82c_0_0:notes"/>
+          <p:cNvPr id="139" name="Google Shape;139;g10cea81d82c_0_0:notes"/>
           <p:cNvSpPr/>
           <p:nvPr>
             <p:ph idx="2" type="sldImg"/>
@@ -1650,7 +1650,7 @@
       </p:sp>
       <p:sp>
         <p:nvSpPr>
-          <p:cNvPr id="134" name="Google Shape;134;g10cea81d82c_0_0:notes"/>
+          <p:cNvPr id="140" name="Google Shape;140;g10cea81d82c_0_0:notes"/>
           <p:cNvSpPr txBox="1"/>
           <p:nvPr>
             <p:ph idx="1" type="body"/>
@@ -9607,11 +9607,74 @@
                   <a:srgbClr val="6AA84F"/>
                 </a:solidFill>
               </a:rPr>
-              <a:t>2</a:t>
+              <a:t>1</a:t>
             </a:r>
             <a:endParaRPr b="0" i="0" sz="1600" u="none" cap="none" strike="noStrike">
               <a:solidFill>
                 <a:srgbClr val="6AA84F"/>
+              </a:solidFill>
+              <a:latin typeface="Arial"/>
+              <a:ea typeface="Arial"/>
+              <a:cs typeface="Arial"/>
+              <a:sym typeface="Arial"/>
+            </a:endParaRPr>
+          </a:p>
+        </p:txBody>
+      </p:sp>
+      <p:sp>
+        <p:nvSpPr>
+          <p:cNvPr id="57" name="Google Shape;57;p1"/>
+          <p:cNvSpPr/>
+          <p:nvPr/>
+        </p:nvSpPr>
+        <p:spPr>
+          <a:xfrm>
+            <a:off x="16050" y="24750"/>
+            <a:ext cx="9111900" cy="5094000"/>
+          </a:xfrm>
+          <a:prstGeom prst="rect">
+            <a:avLst/>
+          </a:prstGeom>
+          <a:noFill/>
+          <a:ln cap="flat" cmpd="sng" w="9525">
+            <a:solidFill>
+              <a:srgbClr val="1155CC"/>
+            </a:solidFill>
+            <a:prstDash val="solid"/>
+            <a:round/>
+            <a:headEnd len="sm" w="sm" type="none"/>
+            <a:tailEnd len="sm" w="sm" type="none"/>
+          </a:ln>
+        </p:spPr>
+        <p:txBody>
+          <a:bodyPr anchorCtr="0" anchor="ctr" bIns="91425" lIns="91425" spcFirstLastPara="1" rIns="91425" wrap="square" tIns="91425">
+            <a:noAutofit/>
+          </a:bodyPr>
+          <a:lstStyle/>
+          <a:p>
+            <a:pPr indent="0" lvl="0" marL="0" marR="0" rtl="0" algn="l">
+              <a:lnSpc>
+                <a:spcPct val="100000"/>
+              </a:lnSpc>
+              <a:spcBef>
+                <a:spcPts val="0"/>
+              </a:spcBef>
+              <a:spcAft>
+                <a:spcPts val="0"/>
+              </a:spcAft>
+              <a:buClr>
+                <a:srgbClr val="000000"/>
+              </a:buClr>
+              <a:buSzPts val="1400"/>
+              <a:buFont typeface="Arial"/>
+              <a:buNone/>
+            </a:pPr>
+            <a:r>
+              <a:t/>
+            </a:r>
+            <a:endParaRPr b="0" i="0" sz="1400" u="none" cap="none" strike="noStrike">
+              <a:solidFill>
+                <a:srgbClr val="000000"/>
               </a:solidFill>
               <a:latin typeface="Arial"/>
               <a:ea typeface="Arial"/>
@@ -9634,7 +9697,7 @@
   <p:cSld>
     <p:spTree>
       <p:nvGrpSpPr>
-        <p:cNvPr id="60" name="Shape 60"/>
+        <p:cNvPr id="61" name="Shape 61"/>
         <p:cNvGrpSpPr/>
         <p:nvPr/>
       </p:nvGrpSpPr>
@@ -9648,7 +9711,7 @@
       </p:grpSpPr>
       <p:graphicFrame>
         <p:nvGraphicFramePr>
-          <p:cNvPr id="61" name="Google Shape;61;g103e8bb3d9b_0_0"/>
+          <p:cNvPr id="62" name="Google Shape;62;g103e8bb3d9b_0_0"/>
           <p:cNvGraphicFramePr/>
           <p:nvPr/>
         </p:nvGraphicFramePr>
@@ -9661,7 +9724,7 @@
             <a:tbl>
               <a:tblPr>
                 <a:noFill/>
-                <a:tableStyleId>{47D37911-1FFC-47F9-AF17-A69558039423}</a:tableStyleId>
+                <a:tableStyleId>{E1721EA4-8DCB-4EC6-8871-3D6472016F68}</a:tableStyleId>
               </a:tblPr>
               <a:tblGrid>
                 <a:gridCol w="3666300"/>
@@ -10016,7 +10079,7 @@
       </p:graphicFrame>
       <p:sp>
         <p:nvSpPr>
-          <p:cNvPr id="62" name="Google Shape;62;g103e8bb3d9b_0_0"/>
+          <p:cNvPr id="63" name="Google Shape;63;g103e8bb3d9b_0_0"/>
           <p:cNvSpPr txBox="1"/>
           <p:nvPr/>
         </p:nvSpPr>
@@ -10080,6 +10143,69 @@
           </a:p>
         </p:txBody>
       </p:sp>
+      <p:sp>
+        <p:nvSpPr>
+          <p:cNvPr id="64" name="Google Shape;64;g103e8bb3d9b_0_0"/>
+          <p:cNvSpPr/>
+          <p:nvPr/>
+        </p:nvSpPr>
+        <p:spPr>
+          <a:xfrm>
+            <a:off x="16050" y="24750"/>
+            <a:ext cx="9111900" cy="5094000"/>
+          </a:xfrm>
+          <a:prstGeom prst="rect">
+            <a:avLst/>
+          </a:prstGeom>
+          <a:noFill/>
+          <a:ln cap="flat" cmpd="sng" w="9525">
+            <a:solidFill>
+              <a:srgbClr val="1155CC"/>
+            </a:solidFill>
+            <a:prstDash val="solid"/>
+            <a:round/>
+            <a:headEnd len="sm" w="sm" type="none"/>
+            <a:tailEnd len="sm" w="sm" type="none"/>
+          </a:ln>
+        </p:spPr>
+        <p:txBody>
+          <a:bodyPr anchorCtr="0" anchor="ctr" bIns="91425" lIns="91425" spcFirstLastPara="1" rIns="91425" wrap="square" tIns="91425">
+            <a:noAutofit/>
+          </a:bodyPr>
+          <a:lstStyle/>
+          <a:p>
+            <a:pPr indent="0" lvl="0" marL="0" marR="0" rtl="0" algn="l">
+              <a:lnSpc>
+                <a:spcPct val="100000"/>
+              </a:lnSpc>
+              <a:spcBef>
+                <a:spcPts val="0"/>
+              </a:spcBef>
+              <a:spcAft>
+                <a:spcPts val="0"/>
+              </a:spcAft>
+              <a:buClr>
+                <a:srgbClr val="000000"/>
+              </a:buClr>
+              <a:buSzPts val="1400"/>
+              <a:buFont typeface="Arial"/>
+              <a:buNone/>
+            </a:pPr>
+            <a:r>
+              <a:t/>
+            </a:r>
+            <a:endParaRPr b="0" i="0" sz="1400" u="none" cap="none" strike="noStrike">
+              <a:solidFill>
+                <a:srgbClr val="000000"/>
+              </a:solidFill>
+              <a:latin typeface="Arial"/>
+              <a:ea typeface="Arial"/>
+              <a:cs typeface="Arial"/>
+              <a:sym typeface="Arial"/>
+            </a:endParaRPr>
+          </a:p>
+        </p:txBody>
+      </p:sp>
     </p:spTree>
   </p:cSld>
   <p:clrMapOvr>
@@ -10093,7 +10219,7 @@
   <p:cSld>
     <p:spTree>
       <p:nvGrpSpPr>
-        <p:cNvPr id="66" name="Shape 66"/>
+        <p:cNvPr id="68" name="Shape 68"/>
         <p:cNvGrpSpPr/>
         <p:nvPr/>
       </p:nvGrpSpPr>
@@ -10107,7 +10233,7 @@
       </p:grpSpPr>
       <p:sp>
         <p:nvSpPr>
-          <p:cNvPr id="67" name="Google Shape;67;g10a3da44617_0_256"/>
+          <p:cNvPr id="69" name="Google Shape;69;g10a3da44617_0_256"/>
           <p:cNvSpPr txBox="1"/>
           <p:nvPr/>
         </p:nvSpPr>
@@ -10166,7 +10292,7 @@
       </p:sp>
       <p:sp>
         <p:nvSpPr>
-          <p:cNvPr id="68" name="Google Shape;68;g10a3da44617_0_256"/>
+          <p:cNvPr id="70" name="Google Shape;70;g10a3da44617_0_256"/>
           <p:cNvSpPr txBox="1"/>
           <p:nvPr/>
         </p:nvSpPr>
@@ -10232,7 +10358,7 @@
       </p:sp>
       <p:sp>
         <p:nvSpPr>
-          <p:cNvPr id="69" name="Google Shape;69;g10a3da44617_0_256"/>
+          <p:cNvPr id="71" name="Google Shape;71;g10a3da44617_0_256"/>
           <p:cNvSpPr txBox="1"/>
           <p:nvPr/>
         </p:nvSpPr>
@@ -10498,7 +10624,7 @@
       </p:sp>
       <p:sp>
         <p:nvSpPr>
-          <p:cNvPr id="70" name="Google Shape;70;g10a3da44617_0_256"/>
+          <p:cNvPr id="72" name="Google Shape;72;g10a3da44617_0_256"/>
           <p:cNvSpPr txBox="1"/>
           <p:nvPr/>
         </p:nvSpPr>
@@ -10644,7 +10770,7 @@
       </p:sp>
       <p:sp>
         <p:nvSpPr>
-          <p:cNvPr id="71" name="Google Shape;71;g10a3da44617_0_256"/>
+          <p:cNvPr id="73" name="Google Shape;73;g10a3da44617_0_256"/>
           <p:cNvSpPr txBox="1"/>
           <p:nvPr/>
         </p:nvSpPr>
@@ -10710,7 +10836,7 @@
       </p:sp>
       <p:graphicFrame>
         <p:nvGraphicFramePr>
-          <p:cNvPr id="72" name="Google Shape;72;g10a3da44617_0_256"/>
+          <p:cNvPr id="74" name="Google Shape;74;g10a3da44617_0_256"/>
           <p:cNvGraphicFramePr/>
           <p:nvPr/>
         </p:nvGraphicFramePr>
@@ -10723,7 +10849,7 @@
             <a:tbl>
               <a:tblPr>
                 <a:noFill/>
-                <a:tableStyleId>{47D37911-1FFC-47F9-AF17-A69558039423}</a:tableStyleId>
+                <a:tableStyleId>{E1721EA4-8DCB-4EC6-8871-3D6472016F68}</a:tableStyleId>
               </a:tblPr>
               <a:tblGrid>
                 <a:gridCol w="2728925"/>
@@ -10812,7 +10938,7 @@
       </p:graphicFrame>
       <p:graphicFrame>
         <p:nvGraphicFramePr>
-          <p:cNvPr id="73" name="Google Shape;73;g10a3da44617_0_256"/>
+          <p:cNvPr id="75" name="Google Shape;75;g10a3da44617_0_256"/>
           <p:cNvGraphicFramePr/>
           <p:nvPr/>
         </p:nvGraphicFramePr>
@@ -10825,7 +10951,7 @@
             <a:tbl>
               <a:tblPr>
                 <a:noFill/>
-                <a:tableStyleId>{47D37911-1FFC-47F9-AF17-A69558039423}</a:tableStyleId>
+                <a:tableStyleId>{E1721EA4-8DCB-4EC6-8871-3D6472016F68}</a:tableStyleId>
               </a:tblPr>
               <a:tblGrid>
                 <a:gridCol w="2728925"/>
@@ -10914,7 +11040,7 @@
       </p:graphicFrame>
       <p:graphicFrame>
         <p:nvGraphicFramePr>
-          <p:cNvPr id="74" name="Google Shape;74;g10a3da44617_0_256"/>
+          <p:cNvPr id="76" name="Google Shape;76;g10a3da44617_0_256"/>
           <p:cNvGraphicFramePr/>
           <p:nvPr/>
         </p:nvGraphicFramePr>
@@ -10927,7 +11053,7 @@
             <a:tbl>
               <a:tblPr>
                 <a:noFill/>
-                <a:tableStyleId>{47D37911-1FFC-47F9-AF17-A69558039423}</a:tableStyleId>
+                <a:tableStyleId>{E1721EA4-8DCB-4EC6-8871-3D6472016F68}</a:tableStyleId>
               </a:tblPr>
               <a:tblGrid>
                 <a:gridCol w="2728925"/>
@@ -11016,7 +11142,7 @@
       </p:graphicFrame>
       <p:graphicFrame>
         <p:nvGraphicFramePr>
-          <p:cNvPr id="75" name="Google Shape;75;g10a3da44617_0_256"/>
+          <p:cNvPr id="77" name="Google Shape;77;g10a3da44617_0_256"/>
           <p:cNvGraphicFramePr/>
           <p:nvPr/>
         </p:nvGraphicFramePr>
@@ -11029,7 +11155,7 @@
             <a:tbl>
               <a:tblPr>
                 <a:noFill/>
-                <a:tableStyleId>{47D37911-1FFC-47F9-AF17-A69558039423}</a:tableStyleId>
+                <a:tableStyleId>{E1721EA4-8DCB-4EC6-8871-3D6472016F68}</a:tableStyleId>
               </a:tblPr>
               <a:tblGrid>
                 <a:gridCol w="2728925"/>
@@ -11118,7 +11244,7 @@
       </p:graphicFrame>
       <p:graphicFrame>
         <p:nvGraphicFramePr>
-          <p:cNvPr id="76" name="Google Shape;76;g10a3da44617_0_256"/>
+          <p:cNvPr id="78" name="Google Shape;78;g10a3da44617_0_256"/>
           <p:cNvGraphicFramePr/>
           <p:nvPr/>
         </p:nvGraphicFramePr>
@@ -11131,7 +11257,7 @@
             <a:tbl>
               <a:tblPr>
                 <a:noFill/>
-                <a:tableStyleId>{47D37911-1FFC-47F9-AF17-A69558039423}</a:tableStyleId>
+                <a:tableStyleId>{E1721EA4-8DCB-4EC6-8871-3D6472016F68}</a:tableStyleId>
               </a:tblPr>
               <a:tblGrid>
                 <a:gridCol w="2728925"/>
@@ -11218,6 +11344,69 @@
           </a:graphicData>
         </a:graphic>
       </p:graphicFrame>
+      <p:sp>
+        <p:nvSpPr>
+          <p:cNvPr id="79" name="Google Shape;79;g10a3da44617_0_256"/>
+          <p:cNvSpPr/>
+          <p:nvPr/>
+        </p:nvSpPr>
+        <p:spPr>
+          <a:xfrm>
+            <a:off x="16050" y="24750"/>
+            <a:ext cx="9111900" cy="5094000"/>
+          </a:xfrm>
+          <a:prstGeom prst="rect">
+            <a:avLst/>
+          </a:prstGeom>
+          <a:noFill/>
+          <a:ln cap="flat" cmpd="sng" w="9525">
+            <a:solidFill>
+              <a:srgbClr val="1155CC"/>
+            </a:solidFill>
+            <a:prstDash val="solid"/>
+            <a:round/>
+            <a:headEnd len="sm" w="sm" type="none"/>
+            <a:tailEnd len="sm" w="sm" type="none"/>
+          </a:ln>
+        </p:spPr>
+        <p:txBody>
+          <a:bodyPr anchorCtr="0" anchor="ctr" bIns="91425" lIns="91425" spcFirstLastPara="1" rIns="91425" wrap="square" tIns="91425">
+            <a:noAutofit/>
+          </a:bodyPr>
+          <a:lstStyle/>
+          <a:p>
+            <a:pPr indent="0" lvl="0" marL="0" marR="0" rtl="0" algn="l">
+              <a:lnSpc>
+                <a:spcPct val="100000"/>
+              </a:lnSpc>
+              <a:spcBef>
+                <a:spcPts val="0"/>
+              </a:spcBef>
+              <a:spcAft>
+                <a:spcPts val="0"/>
+              </a:spcAft>
+              <a:buClr>
+                <a:srgbClr val="000000"/>
+              </a:buClr>
+              <a:buSzPts val="1400"/>
+              <a:buFont typeface="Arial"/>
+              <a:buNone/>
+            </a:pPr>
+            <a:r>
+              <a:t/>
+            </a:r>
+            <a:endParaRPr b="0" i="0" sz="1400" u="none" cap="none" strike="noStrike">
+              <a:solidFill>
+                <a:srgbClr val="000000"/>
+              </a:solidFill>
+              <a:latin typeface="Arial"/>
+              <a:ea typeface="Arial"/>
+              <a:cs typeface="Arial"/>
+              <a:sym typeface="Arial"/>
+            </a:endParaRPr>
+          </a:p>
+        </p:txBody>
+      </p:sp>
     </p:spTree>
   </p:cSld>
   <p:clrMapOvr>
@@ -11257,7 +11446,7 @@
                                           </p:stCondLst>
                                         </p:cTn>
                                         <p:tgtEl>
-                                          <p:spTgt spid="68"/>
+                                          <p:spTgt spid="70"/>
                                         </p:tgtEl>
                                         <p:attrNameLst>
                                           <p:attrName>style.visibility</p:attrName>
@@ -11271,7 +11460,60 @@
                                       <p:cBhvr>
                                         <p:cTn dur="1000"/>
                                         <p:tgtEl>
-                                          <p:spTgt spid="68"/>
+                                          <p:spTgt spid="70"/>
+                                        </p:tgtEl>
+                                      </p:cBhvr>
+                                    </p:animEffect>
+                                  </p:childTnLst>
+                                </p:cTn>
+                              </p:par>
+                            </p:childTnLst>
+                          </p:cTn>
+                        </p:par>
+                      </p:childTnLst>
+                    </p:cTn>
+                  </p:par>
+                  <p:par>
+                    <p:cTn fill="hold">
+                      <p:stCondLst>
+                        <p:cond delay="indefinite"/>
+                      </p:stCondLst>
+                      <p:childTnLst>
+                        <p:par>
+                          <p:cTn fill="hold">
+                            <p:stCondLst>
+                              <p:cond delay="0"/>
+                            </p:stCondLst>
+                            <p:childTnLst>
+                              <p:par>
+                                <p:cTn fill="hold" nodeType="clickEffect" presetClass="entr" presetID="10" presetSubtype="0">
+                                  <p:stCondLst>
+                                    <p:cond delay="0"/>
+                                  </p:stCondLst>
+                                  <p:childTnLst>
+                                    <p:set>
+                                      <p:cBhvr>
+                                        <p:cTn dur="1" fill="hold">
+                                          <p:stCondLst>
+                                            <p:cond delay="0"/>
+                                          </p:stCondLst>
+                                        </p:cTn>
+                                        <p:tgtEl>
+                                          <p:spTgt spid="73"/>
+                                        </p:tgtEl>
+                                        <p:attrNameLst>
+                                          <p:attrName>style.visibility</p:attrName>
+                                        </p:attrNameLst>
+                                      </p:cBhvr>
+                                      <p:to>
+                                        <p:strVal val="visible"/>
+                                      </p:to>
+                                    </p:set>
+                                    <p:animEffect filter="fade" transition="in">
+                                      <p:cBhvr>
+                                        <p:cTn dur="1000"/>
+                                        <p:tgtEl>
+                                          <p:spTgt spid="73"/>
                                         </p:tgtEl>
                                       </p:cBhvr>
                                     </p:animEffect>
@@ -11363,112 +11605,6 @@
                                           </p:stCondLst>
                                         </p:cTn>
                                         <p:tgtEl>
-                                          <p:spTgt spid="69"/>
-                                        </p:tgtEl>
-                                        <p:attrNameLst>
-                                          <p:attrName>style.visibility</p:attrName>
-                                        </p:attrNameLst>
-                                      </p:cBhvr>
-                                      <p:to>
-                                        <p:strVal val="visible"/>
-                                      </p:to>
-                                    </p:set>
-                                    <p:animEffect filter="fade" transition="in">
-                                      <p:cBhvr>
-                                        <p:cTn dur="1000"/>
-                                        <p:tgtEl>
-                                          <p:spTgt spid="69"/>
-                                        </p:tgtEl>
-                                      </p:cBhvr>
-                                    </p:animEffect>
-                                  </p:childTnLst>
-                                </p:cTn>
-                              </p:par>
-                            </p:childTnLst>
-                          </p:cTn>
-                        </p:par>
-                      </p:childTnLst>
-                    </p:cTn>
-                  </p:par>
-                  <p:par>
-                    <p:cTn fill="hold">
-                      <p:stCondLst>
-                        <p:cond delay="indefinite"/>
-                      </p:stCondLst>
-                      <p:childTnLst>
-                        <p:par>
-                          <p:cTn fill="hold">
-                            <p:stCondLst>
-                              <p:cond delay="0"/>
-                            </p:stCondLst>
-                            <p:childTnLst>
-                              <p:par>
-                                <p:cTn fill="hold" nodeType="clickEffect" presetClass="entr" presetID="10" presetSubtype="0">
-                                  <p:stCondLst>
-                                    <p:cond delay="0"/>
-                                  </p:stCondLst>
-                                  <p:childTnLst>
-                                    <p:set>
-                                      <p:cBhvr>
-                                        <p:cTn dur="1" fill="hold">
-                                          <p:stCondLst>
-                                            <p:cond delay="0"/>
-                                          </p:stCondLst>
-                                        </p:cTn>
-                                        <p:tgtEl>
-                                          <p:spTgt spid="70"/>
-                                        </p:tgtEl>
-                                        <p:attrNameLst>
-                                          <p:attrName>style.visibility</p:attrName>
-                                        </p:attrNameLst>
-                                      </p:cBhvr>
-                                      <p:to>
-                                        <p:strVal val="visible"/>
-                                      </p:to>
-                                    </p:set>
-                                    <p:animEffect filter="fade" transition="in">
-                                      <p:cBhvr>
-                                        <p:cTn dur="1000"/>
-                                        <p:tgtEl>
-                                          <p:spTgt spid="70"/>
-                                        </p:tgtEl>
-                                      </p:cBhvr>
-                                    </p:animEffect>
-                                  </p:childTnLst>
-                                </p:cTn>
-                              </p:par>
-                            </p:childTnLst>
-                          </p:cTn>
-                        </p:par>
-                      </p:childTnLst>
-                    </p:cTn>
-                  </p:par>
-                  <p:par>
-                    <p:cTn fill="hold">
-                      <p:stCondLst>
-                        <p:cond delay="indefinite"/>
-                      </p:stCondLst>
-                      <p:childTnLst>
-                        <p:par>
-                          <p:cTn fill="hold">
-                            <p:stCondLst>
-                              <p:cond delay="0"/>
-                            </p:stCondLst>
-                            <p:childTnLst>
-                              <p:par>
-                                <p:cTn fill="hold" nodeType="clickEffect" presetClass="entr" presetID="10" presetSubtype="0">
-                                  <p:stCondLst>
-                                    <p:cond delay="0"/>
-                                  </p:stCondLst>
-                                  <p:childTnLst>
-                                    <p:set>
-                                      <p:cBhvr>
-                                        <p:cTn dur="1" fill="hold">
-                                          <p:stCondLst>
-                                            <p:cond delay="0"/>
-                                          </p:stCondLst>
-                                        </p:cTn>
-                                        <p:tgtEl>
                                           <p:spTgt spid="72"/>
                                         </p:tgtEl>
                                         <p:attrNameLst>
@@ -11484,59 +11620,6 @@
                                         <p:cTn dur="1000"/>
                                         <p:tgtEl>
                                           <p:spTgt spid="72"/>
-                                        </p:tgtEl>
-                                      </p:cBhvr>
-                                    </p:animEffect>
-                                  </p:childTnLst>
-                                </p:cTn>
-                              </p:par>
-                            </p:childTnLst>
-                          </p:cTn>
-                        </p:par>
-                      </p:childTnLst>
-                    </p:cTn>
-                  </p:par>
-                  <p:par>
-                    <p:cTn fill="hold">
-                      <p:stCondLst>
-                        <p:cond delay="indefinite"/>
-                      </p:stCondLst>
-                      <p:childTnLst>
-                        <p:par>
-                          <p:cTn fill="hold">
-                            <p:stCondLst>
-                              <p:cond delay="0"/>
-                            </p:stCondLst>
-                            <p:childTnLst>
-                              <p:par>
-                                <p:cTn fill="hold" nodeType="clickEffect" presetClass="entr" presetID="10" presetSubtype="0">
-                                  <p:stCondLst>
-                                    <p:cond delay="0"/>
-                                  </p:stCondLst>
-                                  <p:childTnLst>
-                                    <p:set>
-                                      <p:cBhvr>
-                                        <p:cTn dur="1" fill="hold">
-                                          <p:stCondLst>
-                                            <p:cond delay="0"/>
-                                          </p:stCondLst>
-                                        </p:cTn>
-                                        <p:tgtEl>
-                                          <p:spTgt spid="73"/>
-                                        </p:tgtEl>
-                                        <p:attrNameLst>
-                                          <p:attrName>style.visibility</p:attrName>
-                                        </p:attrNameLst>
-                                      </p:cBhvr>
-                                      <p:to>
-                                        <p:strVal val="visible"/>
-                                      </p:to>
-                                    </p:set>
-                                    <p:animEffect filter="fade" transition="in">
-                                      <p:cBhvr>
-                                        <p:cTn dur="1000"/>
-                                        <p:tgtEl>
-                                          <p:spTgt spid="73"/>
                                         </p:tgtEl>
                                       </p:cBhvr>
                                     </p:animEffect>
@@ -11708,6 +11791,112 @@
                       </p:childTnLst>
                     </p:cTn>
                   </p:par>
+                  <p:par>
+                    <p:cTn fill="hold">
+                      <p:stCondLst>
+                        <p:cond delay="indefinite"/>
+                      </p:stCondLst>
+                      <p:childTnLst>
+                        <p:par>
+                          <p:cTn fill="hold">
+                            <p:stCondLst>
+                              <p:cond delay="0"/>
+                            </p:stCondLst>
+                            <p:childTnLst>
+                              <p:par>
+                                <p:cTn fill="hold" nodeType="clickEffect" presetClass="entr" presetID="10" presetSubtype="0">
+                                  <p:stCondLst>
+                                    <p:cond delay="0"/>
+                                  </p:stCondLst>
+                                  <p:childTnLst>
+                                    <p:set>
+                                      <p:cBhvr>
+                                        <p:cTn dur="1" fill="hold">
+                                          <p:stCondLst>
+                                            <p:cond delay="0"/>
+                                          </p:stCondLst>
+                                        </p:cTn>
+                                        <p:tgtEl>
+                                          <p:spTgt spid="77"/>
+                                        </p:tgtEl>
+                                        <p:attrNameLst>
+                                          <p:attrName>style.visibility</p:attrName>
+                                        </p:attrNameLst>
+                                      </p:cBhvr>
+                                      <p:to>
+                                        <p:strVal val="visible"/>
+                                      </p:to>
+                                    </p:set>
+                                    <p:animEffect filter="fade" transition="in">
+                                      <p:cBhvr>
+                                        <p:cTn dur="1000"/>
+                                        <p:tgtEl>
+                                          <p:spTgt spid="77"/>
+                                        </p:tgtEl>
+                                      </p:cBhvr>
+                                    </p:animEffect>
+                                  </p:childTnLst>
+                                </p:cTn>
+                              </p:par>
+                            </p:childTnLst>
+                          </p:cTn>
+                        </p:par>
+                      </p:childTnLst>
+                    </p:cTn>
+                  </p:par>
+                  <p:par>
+                    <p:cTn fill="hold">
+                      <p:stCondLst>
+                        <p:cond delay="indefinite"/>
+                      </p:stCondLst>
+                      <p:childTnLst>
+                        <p:par>
+                          <p:cTn fill="hold">
+                            <p:stCondLst>
+                              <p:cond delay="0"/>
+                            </p:stCondLst>
+                            <p:childTnLst>
+                              <p:par>
+                                <p:cTn fill="hold" nodeType="clickEffect" presetClass="entr" presetID="10" presetSubtype="0">
+                                  <p:stCondLst>
+                                    <p:cond delay="0"/>
+                                  </p:stCondLst>
+                                  <p:childTnLst>
+                                    <p:set>
+                                      <p:cBhvr>
+                                        <p:cTn dur="1" fill="hold">
+                                          <p:stCondLst>
+                                            <p:cond delay="0"/>
+                                          </p:stCondLst>
+                                        </p:cTn>
+                                        <p:tgtEl>
+                                          <p:spTgt spid="78"/>
+                                        </p:tgtEl>
+                                        <p:attrNameLst>
+                                          <p:attrName>style.visibility</p:attrName>
+                                        </p:attrNameLst>
+                                      </p:cBhvr>
+                                      <p:to>
+                                        <p:strVal val="visible"/>
+                                      </p:to>
+                                    </p:set>
+                                    <p:animEffect filter="fade" transition="in">
+                                      <p:cBhvr>
+                                        <p:cTn dur="1000"/>
+                                        <p:tgtEl>
+                                          <p:spTgt spid="78"/>
+                                        </p:tgtEl>
+                                      </p:cBhvr>
+                                    </p:animEffect>
+                                  </p:childTnLst>
+                                </p:cTn>
+                              </p:par>
+                            </p:childTnLst>
+                          </p:cTn>
+                        </p:par>
+                      </p:childTnLst>
+                    </p:cTn>
+                  </p:par>
                 </p:childTnLst>
               </p:cTn>
               <p:prevCondLst>
@@ -11738,7 +11927,7 @@
   <p:cSld>
     <p:spTree>
       <p:nvGrpSpPr>
-        <p:cNvPr id="80" name="Shape 80"/>
+        <p:cNvPr id="83" name="Shape 83"/>
         <p:cNvGrpSpPr/>
         <p:nvPr/>
       </p:nvGrpSpPr>
@@ -11752,7 +11941,7 @@
       </p:grpSpPr>
       <p:sp>
         <p:nvSpPr>
-          <p:cNvPr id="81" name="Google Shape;81;g10cc429f828_0_13"/>
+          <p:cNvPr id="84" name="Google Shape;84;g10cc429f828_0_13"/>
           <p:cNvSpPr txBox="1"/>
           <p:nvPr/>
         </p:nvSpPr>
@@ -11811,7 +12000,7 @@
       </p:sp>
       <p:sp>
         <p:nvSpPr>
-          <p:cNvPr id="82" name="Google Shape;82;g10cc429f828_0_13"/>
+          <p:cNvPr id="85" name="Google Shape;85;g10cc429f828_0_13"/>
           <p:cNvSpPr txBox="1"/>
           <p:nvPr/>
         </p:nvSpPr>
@@ -11917,7 +12106,7 @@
       </p:sp>
       <p:sp>
         <p:nvSpPr>
-          <p:cNvPr id="83" name="Google Shape;83;g10cc429f828_0_13"/>
+          <p:cNvPr id="86" name="Google Shape;86;g10cc429f828_0_13"/>
           <p:cNvSpPr txBox="1"/>
           <p:nvPr/>
         </p:nvSpPr>
@@ -11967,7 +12156,7 @@
       </p:sp>
       <p:sp>
         <p:nvSpPr>
-          <p:cNvPr id="84" name="Google Shape;84;g10cc429f828_0_13"/>
+          <p:cNvPr id="87" name="Google Shape;87;g10cc429f828_0_13"/>
           <p:cNvSpPr txBox="1"/>
           <p:nvPr/>
         </p:nvSpPr>
@@ -12011,6 +12200,69 @@
               <a:solidFill>
                 <a:srgbClr val="A64D79"/>
               </a:solidFill>
+            </a:endParaRPr>
+          </a:p>
+        </p:txBody>
+      </p:sp>
+      <p:sp>
+        <p:nvSpPr>
+          <p:cNvPr id="88" name="Google Shape;88;g10cc429f828_0_13"/>
+          <p:cNvSpPr/>
+          <p:nvPr/>
+        </p:nvSpPr>
+        <p:spPr>
+          <a:xfrm>
+            <a:off x="16050" y="24750"/>
+            <a:ext cx="9111900" cy="5094000"/>
+          </a:xfrm>
+          <a:prstGeom prst="rect">
+            <a:avLst/>
+          </a:prstGeom>
+          <a:noFill/>
+          <a:ln cap="flat" cmpd="sng" w="9525">
+            <a:solidFill>
+              <a:srgbClr val="1155CC"/>
+            </a:solidFill>
+            <a:prstDash val="solid"/>
+            <a:round/>
+            <a:headEnd len="sm" w="sm" type="none"/>
+            <a:tailEnd len="sm" w="sm" type="none"/>
+          </a:ln>
+        </p:spPr>
+        <p:txBody>
+          <a:bodyPr anchorCtr="0" anchor="ctr" bIns="91425" lIns="91425" spcFirstLastPara="1" rIns="91425" wrap="square" tIns="91425">
+            <a:noAutofit/>
+          </a:bodyPr>
+          <a:lstStyle/>
+          <a:p>
+            <a:pPr indent="0" lvl="0" marL="0" marR="0" rtl="0" algn="l">
+              <a:lnSpc>
+                <a:spcPct val="100000"/>
+              </a:lnSpc>
+              <a:spcBef>
+                <a:spcPts val="0"/>
+              </a:spcBef>
+              <a:spcAft>
+                <a:spcPts val="0"/>
+              </a:spcAft>
+              <a:buClr>
+                <a:srgbClr val="000000"/>
+              </a:buClr>
+              <a:buSzPts val="1400"/>
+              <a:buFont typeface="Arial"/>
+              <a:buNone/>
+            </a:pPr>
+            <a:r>
+              <a:t/>
+            </a:r>
+            <a:endParaRPr b="0" i="0" sz="1400" u="none" cap="none" strike="noStrike">
+              <a:solidFill>
+                <a:srgbClr val="000000"/>
+              </a:solidFill>
+              <a:latin typeface="Arial"/>
+              <a:ea typeface="Arial"/>
+              <a:cs typeface="Arial"/>
+              <a:sym typeface="Arial"/>
             </a:endParaRPr>
           </a:p>
         </p:txBody>
@@ -12054,7 +12306,7 @@
                                           </p:stCondLst>
                                         </p:cTn>
                                         <p:tgtEl>
-                                          <p:spTgt spid="82"/>
+                                          <p:spTgt spid="85"/>
                                         </p:tgtEl>
                                         <p:attrNameLst>
                                           <p:attrName>style.visibility</p:attrName>
@@ -12068,7 +12320,7 @@
                                       <p:cBhvr>
                                         <p:cTn dur="1000"/>
                                         <p:tgtEl>
-                                          <p:spTgt spid="82"/>
+                                          <p:spTgt spid="85"/>
                                         </p:tgtEl>
                                       </p:cBhvr>
                                     </p:animEffect>
@@ -12107,7 +12359,7 @@
                                           </p:stCondLst>
                                         </p:cTn>
                                         <p:tgtEl>
-                                          <p:spTgt spid="83"/>
+                                          <p:spTgt spid="86"/>
                                         </p:tgtEl>
                                         <p:attrNameLst>
                                           <p:attrName>style.visibility</p:attrName>
@@ -12121,7 +12373,7 @@
                                       <p:cBhvr>
                                         <p:cTn dur="1000"/>
                                         <p:tgtEl>
-                                          <p:spTgt spid="83"/>
+                                          <p:spTgt spid="86"/>
                                         </p:tgtEl>
                                       </p:cBhvr>
                                     </p:animEffect>
@@ -12160,7 +12412,7 @@
                                           </p:stCondLst>
                                         </p:cTn>
                                         <p:tgtEl>
-                                          <p:spTgt spid="84"/>
+                                          <p:spTgt spid="87"/>
                                         </p:tgtEl>
                                         <p:attrNameLst>
                                           <p:attrName>style.visibility</p:attrName>
@@ -12174,7 +12426,7 @@
                                       <p:cBhvr>
                                         <p:cTn dur="1000"/>
                                         <p:tgtEl>
-                                          <p:spTgt spid="84"/>
+                                          <p:spTgt spid="87"/>
                                         </p:tgtEl>
                                       </p:cBhvr>
                                     </p:animEffect>
@@ -12217,7 +12469,7 @@
   <p:cSld>
     <p:spTree>
       <p:nvGrpSpPr>
-        <p:cNvPr id="88" name="Shape 88"/>
+        <p:cNvPr id="92" name="Shape 92"/>
         <p:cNvGrpSpPr/>
         <p:nvPr/>
       </p:nvGrpSpPr>
@@ -12231,7 +12483,7 @@
       </p:grpSpPr>
       <p:sp>
         <p:nvSpPr>
-          <p:cNvPr id="89" name="Google Shape;89;g10cc429f828_0_66"/>
+          <p:cNvPr id="93" name="Google Shape;93;g10cc429f828_0_66"/>
           <p:cNvSpPr txBox="1"/>
           <p:nvPr/>
         </p:nvSpPr>
@@ -12290,7 +12542,7 @@
       </p:sp>
       <p:sp>
         <p:nvSpPr>
-          <p:cNvPr id="90" name="Google Shape;90;g10cc429f828_0_66"/>
+          <p:cNvPr id="94" name="Google Shape;94;g10cc429f828_0_66"/>
           <p:cNvSpPr txBox="1"/>
           <p:nvPr/>
         </p:nvSpPr>
@@ -12400,7 +12652,7 @@
       </p:sp>
       <p:sp>
         <p:nvSpPr>
-          <p:cNvPr id="91" name="Google Shape;91;g10cc429f828_0_66"/>
+          <p:cNvPr id="95" name="Google Shape;95;g10cc429f828_0_66"/>
           <p:cNvSpPr txBox="1"/>
           <p:nvPr/>
         </p:nvSpPr>
@@ -12446,7 +12698,7 @@
       </p:sp>
       <p:sp>
         <p:nvSpPr>
-          <p:cNvPr id="92" name="Google Shape;92;g10cc429f828_0_66"/>
+          <p:cNvPr id="96" name="Google Shape;96;g10cc429f828_0_66"/>
           <p:cNvSpPr txBox="1"/>
           <p:nvPr/>
         </p:nvSpPr>
@@ -12556,7 +12808,7 @@
       </p:sp>
       <p:sp>
         <p:nvSpPr>
-          <p:cNvPr id="93" name="Google Shape;93;g10cc429f828_0_66"/>
+          <p:cNvPr id="97" name="Google Shape;97;g10cc429f828_0_66"/>
           <p:cNvSpPr txBox="1"/>
           <p:nvPr/>
         </p:nvSpPr>
@@ -12632,6 +12884,69 @@
               <a:solidFill>
                 <a:srgbClr val="3C78D8"/>
               </a:solidFill>
+            </a:endParaRPr>
+          </a:p>
+        </p:txBody>
+      </p:sp>
+      <p:sp>
+        <p:nvSpPr>
+          <p:cNvPr id="98" name="Google Shape;98;g10cc429f828_0_66"/>
+          <p:cNvSpPr/>
+          <p:nvPr/>
+        </p:nvSpPr>
+        <p:spPr>
+          <a:xfrm>
+            <a:off x="16050" y="24750"/>
+            <a:ext cx="9111900" cy="5094000"/>
+          </a:xfrm>
+          <a:prstGeom prst="rect">
+            <a:avLst/>
+          </a:prstGeom>
+          <a:noFill/>
+          <a:ln cap="flat" cmpd="sng" w="9525">
+            <a:solidFill>
+              <a:srgbClr val="1155CC"/>
+            </a:solidFill>
+            <a:prstDash val="solid"/>
+            <a:round/>
+            <a:headEnd len="sm" w="sm" type="none"/>
+            <a:tailEnd len="sm" w="sm" type="none"/>
+          </a:ln>
+        </p:spPr>
+        <p:txBody>
+          <a:bodyPr anchorCtr="0" anchor="ctr" bIns="91425" lIns="91425" spcFirstLastPara="1" rIns="91425" wrap="square" tIns="91425">
+            <a:noAutofit/>
+          </a:bodyPr>
+          <a:lstStyle/>
+          <a:p>
+            <a:pPr indent="0" lvl="0" marL="0" marR="0" rtl="0" algn="l">
+              <a:lnSpc>
+                <a:spcPct val="100000"/>
+              </a:lnSpc>
+              <a:spcBef>
+                <a:spcPts val="0"/>
+              </a:spcBef>
+              <a:spcAft>
+                <a:spcPts val="0"/>
+              </a:spcAft>
+              <a:buClr>
+                <a:srgbClr val="000000"/>
+              </a:buClr>
+              <a:buSzPts val="1400"/>
+              <a:buFont typeface="Arial"/>
+              <a:buNone/>
+            </a:pPr>
+            <a:r>
+              <a:t/>
+            </a:r>
+            <a:endParaRPr b="0" i="0" sz="1400" u="none" cap="none" strike="noStrike">
+              <a:solidFill>
+                <a:srgbClr val="000000"/>
+              </a:solidFill>
+              <a:latin typeface="Arial"/>
+              <a:ea typeface="Arial"/>
+              <a:cs typeface="Arial"/>
+              <a:sym typeface="Arial"/>
             </a:endParaRPr>
           </a:p>
         </p:txBody>
@@ -12675,7 +12990,7 @@
                                           </p:stCondLst>
                                         </p:cTn>
                                         <p:tgtEl>
-                                          <p:spTgt spid="91"/>
+                                          <p:spTgt spid="95"/>
                                         </p:tgtEl>
                                         <p:attrNameLst>
                                           <p:attrName>style.visibility</p:attrName>
@@ -12689,7 +13004,7 @@
                                       <p:cBhvr>
                                         <p:cTn dur="1000"/>
                                         <p:tgtEl>
-                                          <p:spTgt spid="91"/>
+                                          <p:spTgt spid="95"/>
                                         </p:tgtEl>
                                       </p:cBhvr>
                                     </p:animEffect>
@@ -12728,7 +13043,7 @@
                                           </p:stCondLst>
                                         </p:cTn>
                                         <p:tgtEl>
-                                          <p:spTgt spid="90"/>
+                                          <p:spTgt spid="94"/>
                                         </p:tgtEl>
                                         <p:attrNameLst>
                                           <p:attrName>style.visibility</p:attrName>
@@ -12742,7 +13057,7 @@
                                       <p:cBhvr>
                                         <p:cTn dur="1000"/>
                                         <p:tgtEl>
-                                          <p:spTgt spid="90"/>
+                                          <p:spTgt spid="94"/>
                                         </p:tgtEl>
                                       </p:cBhvr>
                                     </p:animEffect>
@@ -12781,7 +13096,7 @@
                                           </p:stCondLst>
                                         </p:cTn>
                                         <p:tgtEl>
-                                          <p:spTgt spid="92"/>
+                                          <p:spTgt spid="96"/>
                                         </p:tgtEl>
                                         <p:attrNameLst>
                                           <p:attrName>style.visibility</p:attrName>
@@ -12795,7 +13110,7 @@
                                       <p:cBhvr>
                                         <p:cTn dur="1000"/>
                                         <p:tgtEl>
-                                          <p:spTgt spid="92"/>
+                                          <p:spTgt spid="96"/>
                                         </p:tgtEl>
                                       </p:cBhvr>
                                     </p:animEffect>
@@ -12834,7 +13149,7 @@
                                           </p:stCondLst>
                                         </p:cTn>
                                         <p:tgtEl>
-                                          <p:spTgt spid="93"/>
+                                          <p:spTgt spid="97"/>
                                         </p:tgtEl>
                                         <p:attrNameLst>
                                           <p:attrName>style.visibility</p:attrName>
@@ -12848,7 +13163,7 @@
                                       <p:cBhvr>
                                         <p:cTn dur="1000"/>
                                         <p:tgtEl>
-                                          <p:spTgt spid="93"/>
+                                          <p:spTgt spid="97"/>
                                         </p:tgtEl>
                                       </p:cBhvr>
                                     </p:animEffect>
@@ -12891,7 +13206,7 @@
   <p:cSld>
     <p:spTree>
       <p:nvGrpSpPr>
-        <p:cNvPr id="97" name="Shape 97"/>
+        <p:cNvPr id="102" name="Shape 102"/>
         <p:cNvGrpSpPr/>
         <p:nvPr/>
       </p:nvGrpSpPr>
@@ -12905,7 +13220,7 @@
       </p:grpSpPr>
       <p:sp>
         <p:nvSpPr>
-          <p:cNvPr id="98" name="Google Shape;98;g10bf25ec2e7_0_0"/>
+          <p:cNvPr id="103" name="Google Shape;103;g10bf25ec2e7_0_0"/>
           <p:cNvSpPr txBox="1"/>
           <p:nvPr/>
         </p:nvSpPr>
@@ -12964,7 +13279,7 @@
       </p:sp>
       <p:pic>
         <p:nvPicPr>
-          <p:cNvPr id="99" name="Google Shape;99;g10bf25ec2e7_0_0"/>
+          <p:cNvPr id="104" name="Google Shape;104;g10bf25ec2e7_0_0"/>
           <p:cNvPicPr preferRelativeResize="0"/>
           <p:nvPr/>
         </p:nvPicPr>
@@ -12992,7 +13307,7 @@
       </p:pic>
       <p:sp>
         <p:nvSpPr>
-          <p:cNvPr id="100" name="Google Shape;100;g10bf25ec2e7_0_0"/>
+          <p:cNvPr id="105" name="Google Shape;105;g10bf25ec2e7_0_0"/>
           <p:cNvSpPr/>
           <p:nvPr/>
         </p:nvSpPr>
@@ -13039,7 +13354,7 @@
       </p:sp>
       <p:sp>
         <p:nvSpPr>
-          <p:cNvPr id="101" name="Google Shape;101;g10bf25ec2e7_0_0"/>
+          <p:cNvPr id="106" name="Google Shape;106;g10bf25ec2e7_0_0"/>
           <p:cNvSpPr/>
           <p:nvPr/>
         </p:nvSpPr>
@@ -13086,7 +13401,7 @@
       </p:sp>
       <p:sp>
         <p:nvSpPr>
-          <p:cNvPr id="102" name="Google Shape;102;g10bf25ec2e7_0_0"/>
+          <p:cNvPr id="107" name="Google Shape;107;g10bf25ec2e7_0_0"/>
           <p:cNvSpPr/>
           <p:nvPr/>
         </p:nvSpPr>
@@ -13133,7 +13448,7 @@
       </p:sp>
       <p:sp>
         <p:nvSpPr>
-          <p:cNvPr id="103" name="Google Shape;103;g10bf25ec2e7_0_0"/>
+          <p:cNvPr id="108" name="Google Shape;108;g10bf25ec2e7_0_0"/>
           <p:cNvSpPr/>
           <p:nvPr/>
         </p:nvSpPr>
@@ -13180,7 +13495,7 @@
       </p:sp>
       <p:sp>
         <p:nvSpPr>
-          <p:cNvPr id="104" name="Google Shape;104;g10bf25ec2e7_0_0"/>
+          <p:cNvPr id="109" name="Google Shape;109;g10bf25ec2e7_0_0"/>
           <p:cNvSpPr/>
           <p:nvPr/>
         </p:nvSpPr>
@@ -13227,7 +13542,7 @@
       </p:sp>
       <p:sp>
         <p:nvSpPr>
-          <p:cNvPr id="105" name="Google Shape;105;g10bf25ec2e7_0_0"/>
+          <p:cNvPr id="110" name="Google Shape;110;g10bf25ec2e7_0_0"/>
           <p:cNvSpPr/>
           <p:nvPr/>
         </p:nvSpPr>
@@ -13274,7 +13589,7 @@
       </p:sp>
       <p:sp>
         <p:nvSpPr>
-          <p:cNvPr id="106" name="Google Shape;106;g10bf25ec2e7_0_0"/>
+          <p:cNvPr id="111" name="Google Shape;111;g10bf25ec2e7_0_0"/>
           <p:cNvSpPr/>
           <p:nvPr/>
         </p:nvSpPr>
@@ -13321,7 +13636,7 @@
       </p:sp>
       <p:sp>
         <p:nvSpPr>
-          <p:cNvPr id="107" name="Google Shape;107;g10bf25ec2e7_0_0"/>
+          <p:cNvPr id="112" name="Google Shape;112;g10bf25ec2e7_0_0"/>
           <p:cNvSpPr/>
           <p:nvPr/>
         </p:nvSpPr>
@@ -13368,7 +13683,7 @@
       </p:sp>
       <p:sp>
         <p:nvSpPr>
-          <p:cNvPr id="108" name="Google Shape;108;g10bf25ec2e7_0_0"/>
+          <p:cNvPr id="113" name="Google Shape;113;g10bf25ec2e7_0_0"/>
           <p:cNvSpPr/>
           <p:nvPr/>
         </p:nvSpPr>
@@ -13415,7 +13730,7 @@
       </p:sp>
       <p:sp>
         <p:nvSpPr>
-          <p:cNvPr id="109" name="Google Shape;109;g10bf25ec2e7_0_0"/>
+          <p:cNvPr id="114" name="Google Shape;114;g10bf25ec2e7_0_0"/>
           <p:cNvSpPr/>
           <p:nvPr/>
         </p:nvSpPr>
@@ -13462,7 +13777,7 @@
       </p:sp>
       <p:sp>
         <p:nvSpPr>
-          <p:cNvPr id="110" name="Google Shape;110;g10bf25ec2e7_0_0"/>
+          <p:cNvPr id="115" name="Google Shape;115;g10bf25ec2e7_0_0"/>
           <p:cNvSpPr/>
           <p:nvPr/>
         </p:nvSpPr>
@@ -13509,7 +13824,7 @@
       </p:sp>
       <p:sp>
         <p:nvSpPr>
-          <p:cNvPr id="111" name="Google Shape;111;g10bf25ec2e7_0_0"/>
+          <p:cNvPr id="116" name="Google Shape;116;g10bf25ec2e7_0_0"/>
           <p:cNvSpPr/>
           <p:nvPr/>
         </p:nvSpPr>
@@ -13556,7 +13871,7 @@
       </p:sp>
       <p:sp>
         <p:nvSpPr>
-          <p:cNvPr id="112" name="Google Shape;112;g10bf25ec2e7_0_0"/>
+          <p:cNvPr id="117" name="Google Shape;117;g10bf25ec2e7_0_0"/>
           <p:cNvSpPr/>
           <p:nvPr/>
         </p:nvSpPr>
@@ -13603,7 +13918,7 @@
       </p:sp>
       <p:sp>
         <p:nvSpPr>
-          <p:cNvPr id="113" name="Google Shape;113;g10bf25ec2e7_0_0"/>
+          <p:cNvPr id="118" name="Google Shape;118;g10bf25ec2e7_0_0"/>
           <p:cNvSpPr/>
           <p:nvPr/>
         </p:nvSpPr>
@@ -13650,7 +13965,7 @@
       </p:sp>
       <p:sp>
         <p:nvSpPr>
-          <p:cNvPr id="114" name="Google Shape;114;g10bf25ec2e7_0_0"/>
+          <p:cNvPr id="119" name="Google Shape;119;g10bf25ec2e7_0_0"/>
           <p:cNvSpPr/>
           <p:nvPr/>
         </p:nvSpPr>
@@ -13697,7 +14012,7 @@
       </p:sp>
       <p:sp>
         <p:nvSpPr>
-          <p:cNvPr id="115" name="Google Shape;115;g10bf25ec2e7_0_0"/>
+          <p:cNvPr id="120" name="Google Shape;120;g10bf25ec2e7_0_0"/>
           <p:cNvSpPr/>
           <p:nvPr/>
         </p:nvSpPr>
@@ -13744,7 +14059,7 @@
       </p:sp>
       <p:sp>
         <p:nvSpPr>
-          <p:cNvPr id="116" name="Google Shape;116;g10bf25ec2e7_0_0"/>
+          <p:cNvPr id="121" name="Google Shape;121;g10bf25ec2e7_0_0"/>
           <p:cNvSpPr txBox="1"/>
           <p:nvPr/>
         </p:nvSpPr>
@@ -13794,7 +14109,7 @@
       </p:sp>
       <p:sp>
         <p:nvSpPr>
-          <p:cNvPr id="117" name="Google Shape;117;g10bf25ec2e7_0_0"/>
+          <p:cNvPr id="122" name="Google Shape;122;g10bf25ec2e7_0_0"/>
           <p:cNvSpPr txBox="1"/>
           <p:nvPr/>
         </p:nvSpPr>
@@ -13844,7 +14159,7 @@
       </p:sp>
       <p:sp>
         <p:nvSpPr>
-          <p:cNvPr id="118" name="Google Shape;118;g10bf25ec2e7_0_0"/>
+          <p:cNvPr id="123" name="Google Shape;123;g10bf25ec2e7_0_0"/>
           <p:cNvSpPr txBox="1"/>
           <p:nvPr/>
         </p:nvSpPr>
@@ -13894,7 +14209,7 @@
       </p:sp>
       <p:sp>
         <p:nvSpPr>
-          <p:cNvPr id="119" name="Google Shape;119;g10bf25ec2e7_0_0"/>
+          <p:cNvPr id="124" name="Google Shape;124;g10bf25ec2e7_0_0"/>
           <p:cNvSpPr txBox="1"/>
           <p:nvPr/>
         </p:nvSpPr>
@@ -13944,7 +14259,7 @@
       </p:sp>
       <p:sp>
         <p:nvSpPr>
-          <p:cNvPr id="120" name="Google Shape;120;g10bf25ec2e7_0_0"/>
+          <p:cNvPr id="125" name="Google Shape;125;g10bf25ec2e7_0_0"/>
           <p:cNvSpPr txBox="1"/>
           <p:nvPr/>
         </p:nvSpPr>
@@ -13994,7 +14309,7 @@
       </p:sp>
       <p:sp>
         <p:nvSpPr>
-          <p:cNvPr id="121" name="Google Shape;121;g10bf25ec2e7_0_0"/>
+          <p:cNvPr id="126" name="Google Shape;126;g10bf25ec2e7_0_0"/>
           <p:cNvSpPr txBox="1"/>
           <p:nvPr/>
         </p:nvSpPr>
@@ -14044,7 +14359,7 @@
       </p:sp>
       <p:sp>
         <p:nvSpPr>
-          <p:cNvPr id="122" name="Google Shape;122;g10bf25ec2e7_0_0"/>
+          <p:cNvPr id="127" name="Google Shape;127;g10bf25ec2e7_0_0"/>
           <p:cNvSpPr txBox="1"/>
           <p:nvPr/>
         </p:nvSpPr>
@@ -14094,7 +14409,7 @@
       </p:sp>
       <p:sp>
         <p:nvSpPr>
-          <p:cNvPr id="123" name="Google Shape;123;g10bf25ec2e7_0_0"/>
+          <p:cNvPr id="128" name="Google Shape;128;g10bf25ec2e7_0_0"/>
           <p:cNvSpPr txBox="1"/>
           <p:nvPr/>
         </p:nvSpPr>
@@ -14144,7 +14459,7 @@
       </p:sp>
       <p:sp>
         <p:nvSpPr>
-          <p:cNvPr id="124" name="Google Shape;124;g10bf25ec2e7_0_0"/>
+          <p:cNvPr id="129" name="Google Shape;129;g10bf25ec2e7_0_0"/>
           <p:cNvSpPr txBox="1"/>
           <p:nvPr/>
         </p:nvSpPr>
@@ -14194,7 +14509,7 @@
       </p:sp>
       <p:sp>
         <p:nvSpPr>
-          <p:cNvPr id="125" name="Google Shape;125;g10bf25ec2e7_0_0"/>
+          <p:cNvPr id="130" name="Google Shape;130;g10bf25ec2e7_0_0"/>
           <p:cNvSpPr txBox="1"/>
           <p:nvPr/>
         </p:nvSpPr>
@@ -14252,7 +14567,7 @@
       </p:sp>
       <p:sp>
         <p:nvSpPr>
-          <p:cNvPr id="126" name="Google Shape;126;g10bf25ec2e7_0_0"/>
+          <p:cNvPr id="131" name="Google Shape;131;g10bf25ec2e7_0_0"/>
           <p:cNvSpPr txBox="1"/>
           <p:nvPr/>
         </p:nvSpPr>
@@ -14302,7 +14617,7 @@
       </p:sp>
       <p:sp>
         <p:nvSpPr>
-          <p:cNvPr id="127" name="Google Shape;127;g10bf25ec2e7_0_0"/>
+          <p:cNvPr id="132" name="Google Shape;132;g10bf25ec2e7_0_0"/>
           <p:cNvSpPr txBox="1"/>
           <p:nvPr/>
         </p:nvSpPr>
@@ -14360,7 +14675,7 @@
       </p:sp>
       <p:sp>
         <p:nvSpPr>
-          <p:cNvPr id="128" name="Google Shape;128;g10bf25ec2e7_0_0"/>
+          <p:cNvPr id="133" name="Google Shape;133;g10bf25ec2e7_0_0"/>
           <p:cNvSpPr txBox="1"/>
           <p:nvPr/>
         </p:nvSpPr>
@@ -14410,7 +14725,7 @@
       </p:sp>
       <p:sp>
         <p:nvSpPr>
-          <p:cNvPr id="129" name="Google Shape;129;g10bf25ec2e7_0_0"/>
+          <p:cNvPr id="134" name="Google Shape;134;g10bf25ec2e7_0_0"/>
           <p:cNvSpPr txBox="1"/>
           <p:nvPr/>
         </p:nvSpPr>
@@ -14460,7 +14775,7 @@
       </p:sp>
       <p:sp>
         <p:nvSpPr>
-          <p:cNvPr id="130" name="Google Shape;130;g10bf25ec2e7_0_0"/>
+          <p:cNvPr id="135" name="Google Shape;135;g10bf25ec2e7_0_0"/>
           <p:cNvSpPr txBox="1"/>
           <p:nvPr/>
         </p:nvSpPr>
@@ -14510,7 +14825,7 @@
       </p:sp>
       <p:sp>
         <p:nvSpPr>
-          <p:cNvPr id="131" name="Google Shape;131;g10bf25ec2e7_0_0"/>
+          <p:cNvPr id="136" name="Google Shape;136;g10bf25ec2e7_0_0"/>
           <p:cNvSpPr txBox="1"/>
           <p:nvPr/>
         </p:nvSpPr>
@@ -14562,6 +14877,69 @@
               <a:solidFill>
                 <a:srgbClr val="E69138"/>
               </a:solidFill>
+            </a:endParaRPr>
+          </a:p>
+        </p:txBody>
+      </p:sp>
+      <p:sp>
+        <p:nvSpPr>
+          <p:cNvPr id="137" name="Google Shape;137;g10bf25ec2e7_0_0"/>
+          <p:cNvSpPr/>
+          <p:nvPr/>
+        </p:nvSpPr>
+        <p:spPr>
+          <a:xfrm>
+            <a:off x="16050" y="24750"/>
+            <a:ext cx="9111900" cy="5094000"/>
+          </a:xfrm>
+          <a:prstGeom prst="rect">
+            <a:avLst/>
+          </a:prstGeom>
+          <a:noFill/>
+          <a:ln cap="flat" cmpd="sng" w="9525">
+            <a:solidFill>
+              <a:srgbClr val="1155CC"/>
+            </a:solidFill>
+            <a:prstDash val="solid"/>
+            <a:round/>
+            <a:headEnd len="sm" w="sm" type="none"/>
+            <a:tailEnd len="sm" w="sm" type="none"/>
+          </a:ln>
+        </p:spPr>
+        <p:txBody>
+          <a:bodyPr anchorCtr="0" anchor="ctr" bIns="91425" lIns="91425" spcFirstLastPara="1" rIns="91425" wrap="square" tIns="91425">
+            <a:noAutofit/>
+          </a:bodyPr>
+          <a:lstStyle/>
+          <a:p>
+            <a:pPr indent="0" lvl="0" marL="0" marR="0" rtl="0" algn="l">
+              <a:lnSpc>
+                <a:spcPct val="100000"/>
+              </a:lnSpc>
+              <a:spcBef>
+                <a:spcPts val="0"/>
+              </a:spcBef>
+              <a:spcAft>
+                <a:spcPts val="0"/>
+              </a:spcAft>
+              <a:buClr>
+                <a:srgbClr val="000000"/>
+              </a:buClr>
+              <a:buSzPts val="1400"/>
+              <a:buFont typeface="Arial"/>
+              <a:buNone/>
+            </a:pPr>
+            <a:r>
+              <a:t/>
+            </a:r>
+            <a:endParaRPr b="0" i="0" sz="1400" u="none" cap="none" strike="noStrike">
+              <a:solidFill>
+                <a:srgbClr val="000000"/>
+              </a:solidFill>
+              <a:latin typeface="Arial"/>
+              <a:ea typeface="Arial"/>
+              <a:cs typeface="Arial"/>
+              <a:sym typeface="Arial"/>
             </a:endParaRPr>
           </a:p>
         </p:txBody>
@@ -14605,323 +14983,6 @@
                                           </p:stCondLst>
                                         </p:cTn>
                                         <p:tgtEl>
-                                          <p:spTgt spid="100"/>
-                                        </p:tgtEl>
-                                        <p:attrNameLst>
-                                          <p:attrName>style.visibility</p:attrName>
-                                        </p:attrNameLst>
-                                      </p:cBhvr>
-                                      <p:to>
-                                        <p:strVal val="visible"/>
-                                      </p:to>
-                                    </p:set>
-                                    <p:animEffect filter="fade" transition="in">
-                                      <p:cBhvr>
-                                        <p:cTn dur="1000"/>
-                                        <p:tgtEl>
-                                          <p:spTgt spid="100"/>
-                                        </p:tgtEl>
-                                      </p:cBhvr>
-                                    </p:animEffect>
-                                  </p:childTnLst>
-                                </p:cTn>
-                              </p:par>
-                            </p:childTnLst>
-                          </p:cTn>
-                        </p:par>
-                      </p:childTnLst>
-                    </p:cTn>
-                  </p:par>
-                  <p:par>
-                    <p:cTn fill="hold">
-                      <p:stCondLst>
-                        <p:cond delay="indefinite"/>
-                      </p:stCondLst>
-                      <p:childTnLst>
-                        <p:par>
-                          <p:cTn fill="hold">
-                            <p:stCondLst>
-                              <p:cond delay="0"/>
-                            </p:stCondLst>
-                            <p:childTnLst>
-                              <p:par>
-                                <p:cTn fill="hold" nodeType="clickEffect" presetClass="entr" presetID="10" presetSubtype="0">
-                                  <p:stCondLst>
-                                    <p:cond delay="0"/>
-                                  </p:stCondLst>
-                                  <p:childTnLst>
-                                    <p:set>
-                                      <p:cBhvr>
-                                        <p:cTn dur="1" fill="hold">
-                                          <p:stCondLst>
-                                            <p:cond delay="0"/>
-                                          </p:stCondLst>
-                                        </p:cTn>
-                                        <p:tgtEl>
-                                          <p:spTgt spid="101"/>
-                                        </p:tgtEl>
-                                        <p:attrNameLst>
-                                          <p:attrName>style.visibility</p:attrName>
-                                        </p:attrNameLst>
-                                      </p:cBhvr>
-                                      <p:to>
-                                        <p:strVal val="visible"/>
-                                      </p:to>
-                                    </p:set>
-                                    <p:animEffect filter="fade" transition="in">
-                                      <p:cBhvr>
-                                        <p:cTn dur="1000"/>
-                                        <p:tgtEl>
-                                          <p:spTgt spid="101"/>
-                                        </p:tgtEl>
-                                      </p:cBhvr>
-                                    </p:animEffect>
-                                  </p:childTnLst>
-                                </p:cTn>
-                              </p:par>
-                              <p:par>
-                                <p:cTn fill="hold" nodeType="withEffect" presetClass="entr" presetID="10" presetSubtype="0">
-                                  <p:stCondLst>
-                                    <p:cond delay="0"/>
-                                  </p:stCondLst>
-                                  <p:childTnLst>
-                                    <p:set>
-                                      <p:cBhvr>
-                                        <p:cTn dur="1" fill="hold">
-                                          <p:stCondLst>
-                                            <p:cond delay="0"/>
-                                          </p:stCondLst>
-                                        </p:cTn>
-                                        <p:tgtEl>
-                                          <p:spTgt spid="116"/>
-                                        </p:tgtEl>
-                                        <p:attrNameLst>
-                                          <p:attrName>style.visibility</p:attrName>
-                                        </p:attrNameLst>
-                                      </p:cBhvr>
-                                      <p:to>
-                                        <p:strVal val="visible"/>
-                                      </p:to>
-                                    </p:set>
-                                    <p:animEffect filter="fade" transition="in">
-                                      <p:cBhvr>
-                                        <p:cTn dur="1000"/>
-                                        <p:tgtEl>
-                                          <p:spTgt spid="116"/>
-                                        </p:tgtEl>
-                                      </p:cBhvr>
-                                    </p:animEffect>
-                                  </p:childTnLst>
-                                </p:cTn>
-                              </p:par>
-                            </p:childTnLst>
-                          </p:cTn>
-                        </p:par>
-                      </p:childTnLst>
-                    </p:cTn>
-                  </p:par>
-                  <p:par>
-                    <p:cTn fill="hold">
-                      <p:stCondLst>
-                        <p:cond delay="indefinite"/>
-                      </p:stCondLst>
-                      <p:childTnLst>
-                        <p:par>
-                          <p:cTn fill="hold">
-                            <p:stCondLst>
-                              <p:cond delay="0"/>
-                            </p:stCondLst>
-                            <p:childTnLst>
-                              <p:par>
-                                <p:cTn fill="hold" nodeType="clickEffect" presetClass="entr" presetID="10" presetSubtype="0">
-                                  <p:stCondLst>
-                                    <p:cond delay="0"/>
-                                  </p:stCondLst>
-                                  <p:childTnLst>
-                                    <p:set>
-                                      <p:cBhvr>
-                                        <p:cTn dur="1" fill="hold">
-                                          <p:stCondLst>
-                                            <p:cond delay="0"/>
-                                          </p:stCondLst>
-                                        </p:cTn>
-                                        <p:tgtEl>
-                                          <p:spTgt spid="102"/>
-                                        </p:tgtEl>
-                                        <p:attrNameLst>
-                                          <p:attrName>style.visibility</p:attrName>
-                                        </p:attrNameLst>
-                                      </p:cBhvr>
-                                      <p:to>
-                                        <p:strVal val="visible"/>
-                                      </p:to>
-                                    </p:set>
-                                    <p:animEffect filter="fade" transition="in">
-                                      <p:cBhvr>
-                                        <p:cTn dur="1000"/>
-                                        <p:tgtEl>
-                                          <p:spTgt spid="102"/>
-                                        </p:tgtEl>
-                                      </p:cBhvr>
-                                    </p:animEffect>
-                                  </p:childTnLst>
-                                </p:cTn>
-                              </p:par>
-                              <p:par>
-                                <p:cTn fill="hold" nodeType="withEffect" presetClass="entr" presetID="10" presetSubtype="0">
-                                  <p:stCondLst>
-                                    <p:cond delay="0"/>
-                                  </p:stCondLst>
-                                  <p:childTnLst>
-                                    <p:set>
-                                      <p:cBhvr>
-                                        <p:cTn dur="1" fill="hold">
-                                          <p:stCondLst>
-                                            <p:cond delay="0"/>
-                                          </p:stCondLst>
-                                        </p:cTn>
-                                        <p:tgtEl>
-                                          <p:spTgt spid="117"/>
-                                        </p:tgtEl>
-                                        <p:attrNameLst>
-                                          <p:attrName>style.visibility</p:attrName>
-                                        </p:attrNameLst>
-                                      </p:cBhvr>
-                                      <p:to>
-                                        <p:strVal val="visible"/>
-                                      </p:to>
-                                    </p:set>
-                                    <p:animEffect filter="fade" transition="in">
-                                      <p:cBhvr>
-                                        <p:cTn dur="1000"/>
-                                        <p:tgtEl>
-                                          <p:spTgt spid="117"/>
-                                        </p:tgtEl>
-                                      </p:cBhvr>
-                                    </p:animEffect>
-                                  </p:childTnLst>
-                                </p:cTn>
-                              </p:par>
-                            </p:childTnLst>
-                          </p:cTn>
-                        </p:par>
-                      </p:childTnLst>
-                    </p:cTn>
-                  </p:par>
-                  <p:par>
-                    <p:cTn fill="hold">
-                      <p:stCondLst>
-                        <p:cond delay="indefinite"/>
-                      </p:stCondLst>
-                      <p:childTnLst>
-                        <p:par>
-                          <p:cTn fill="hold">
-                            <p:stCondLst>
-                              <p:cond delay="0"/>
-                            </p:stCondLst>
-                            <p:childTnLst>
-                              <p:par>
-                                <p:cTn fill="hold" nodeType="clickEffect" presetClass="entr" presetID="10" presetSubtype="0">
-                                  <p:stCondLst>
-                                    <p:cond delay="0"/>
-                                  </p:stCondLst>
-                                  <p:childTnLst>
-                                    <p:set>
-                                      <p:cBhvr>
-                                        <p:cTn dur="1" fill="hold">
-                                          <p:stCondLst>
-                                            <p:cond delay="0"/>
-                                          </p:stCondLst>
-                                        </p:cTn>
-                                        <p:tgtEl>
-                                          <p:spTgt spid="103"/>
-                                        </p:tgtEl>
-                                        <p:attrNameLst>
-                                          <p:attrName>style.visibility</p:attrName>
-                                        </p:attrNameLst>
-                                      </p:cBhvr>
-                                      <p:to>
-                                        <p:strVal val="visible"/>
-                                      </p:to>
-                                    </p:set>
-                                    <p:animEffect filter="fade" transition="in">
-                                      <p:cBhvr>
-                                        <p:cTn dur="1000"/>
-                                        <p:tgtEl>
-                                          <p:spTgt spid="103"/>
-                                        </p:tgtEl>
-                                      </p:cBhvr>
-                                    </p:animEffect>
-                                  </p:childTnLst>
-                                </p:cTn>
-                              </p:par>
-                              <p:par>
-                                <p:cTn fill="hold" nodeType="withEffect" presetClass="entr" presetID="10" presetSubtype="0">
-                                  <p:stCondLst>
-                                    <p:cond delay="0"/>
-                                  </p:stCondLst>
-                                  <p:childTnLst>
-                                    <p:set>
-                                      <p:cBhvr>
-                                        <p:cTn dur="1" fill="hold">
-                                          <p:stCondLst>
-                                            <p:cond delay="0"/>
-                                          </p:stCondLst>
-                                        </p:cTn>
-                                        <p:tgtEl>
-                                          <p:spTgt spid="118"/>
-                                        </p:tgtEl>
-                                        <p:attrNameLst>
-                                          <p:attrName>style.visibility</p:attrName>
-                                        </p:attrNameLst>
-                                      </p:cBhvr>
-                                      <p:to>
-                                        <p:strVal val="visible"/>
-                                      </p:to>
-                                    </p:set>
-                                    <p:animEffect filter="fade" transition="in">
-                                      <p:cBhvr>
-                                        <p:cTn dur="1000"/>
-                                        <p:tgtEl>
-                                          <p:spTgt spid="118"/>
-                                        </p:tgtEl>
-                                      </p:cBhvr>
-                                    </p:animEffect>
-                                  </p:childTnLst>
-                                </p:cTn>
-                              </p:par>
-                            </p:childTnLst>
-                          </p:cTn>
-                        </p:par>
-                      </p:childTnLst>
-                    </p:cTn>
-                  </p:par>
-                  <p:par>
-                    <p:cTn fill="hold">
-                      <p:stCondLst>
-                        <p:cond delay="indefinite"/>
-                      </p:stCondLst>
-                      <p:childTnLst>
-                        <p:par>
-                          <p:cTn fill="hold">
-                            <p:stCondLst>
-                              <p:cond delay="0"/>
-                            </p:stCondLst>
-                            <p:childTnLst>
-                              <p:par>
-                                <p:cTn fill="hold" nodeType="clickEffect" presetClass="entr" presetID="10" presetSubtype="0">
-                                  <p:stCondLst>
-                                    <p:cond delay="0"/>
-                                  </p:stCondLst>
-                                  <p:childTnLst>
-                                    <p:set>
-                                      <p:cBhvr>
-                                        <p:cTn dur="1" fill="hold">
-                                          <p:stCondLst>
-                                            <p:cond delay="0"/>
-                                          </p:stCondLst>
-                                        </p:cTn>
-                                        <p:tgtEl>
                                           <p:spTgt spid="105"/>
                                         </p:tgtEl>
                                         <p:attrNameLst>
@@ -14937,305 +14998,6 @@
                                         <p:cTn dur="1000"/>
                                         <p:tgtEl>
                                           <p:spTgt spid="105"/>
-                                        </p:tgtEl>
-                                      </p:cBhvr>
-                                    </p:animEffect>
-                                  </p:childTnLst>
-                                </p:cTn>
-                              </p:par>
-                              <p:par>
-                                <p:cTn fill="hold" nodeType="withEffect" presetClass="entr" presetID="10" presetSubtype="0">
-                                  <p:stCondLst>
-                                    <p:cond delay="0"/>
-                                  </p:stCondLst>
-                                  <p:childTnLst>
-                                    <p:set>
-                                      <p:cBhvr>
-                                        <p:cTn dur="1" fill="hold">
-                                          <p:stCondLst>
-                                            <p:cond delay="0"/>
-                                          </p:stCondLst>
-                                        </p:cTn>
-                                        <p:tgtEl>
-                                          <p:spTgt spid="119"/>
-                                        </p:tgtEl>
-                                        <p:attrNameLst>
-                                          <p:attrName>style.visibility</p:attrName>
-                                        </p:attrNameLst>
-                                      </p:cBhvr>
-                                      <p:to>
-                                        <p:strVal val="visible"/>
-                                      </p:to>
-                                    </p:set>
-                                    <p:animEffect filter="fade" transition="in">
-                                      <p:cBhvr>
-                                        <p:cTn dur="1000"/>
-                                        <p:tgtEl>
-                                          <p:spTgt spid="119"/>
-                                        </p:tgtEl>
-                                      </p:cBhvr>
-                                    </p:animEffect>
-                                  </p:childTnLst>
-                                </p:cTn>
-                              </p:par>
-                            </p:childTnLst>
-                          </p:cTn>
-                        </p:par>
-                      </p:childTnLst>
-                    </p:cTn>
-                  </p:par>
-                  <p:par>
-                    <p:cTn fill="hold">
-                      <p:stCondLst>
-                        <p:cond delay="indefinite"/>
-                      </p:stCondLst>
-                      <p:childTnLst>
-                        <p:par>
-                          <p:cTn fill="hold">
-                            <p:stCondLst>
-                              <p:cond delay="0"/>
-                            </p:stCondLst>
-                            <p:childTnLst>
-                              <p:par>
-                                <p:cTn fill="hold" nodeType="clickEffect" presetClass="entr" presetID="10" presetSubtype="0">
-                                  <p:stCondLst>
-                                    <p:cond delay="0"/>
-                                  </p:stCondLst>
-                                  <p:childTnLst>
-                                    <p:set>
-                                      <p:cBhvr>
-                                        <p:cTn dur="1" fill="hold">
-                                          <p:stCondLst>
-                                            <p:cond delay="0"/>
-                                          </p:stCondLst>
-                                        </p:cTn>
-                                        <p:tgtEl>
-                                          <p:spTgt spid="121"/>
-                                        </p:tgtEl>
-                                        <p:attrNameLst>
-                                          <p:attrName>style.visibility</p:attrName>
-                                        </p:attrNameLst>
-                                      </p:cBhvr>
-                                      <p:to>
-                                        <p:strVal val="visible"/>
-                                      </p:to>
-                                    </p:set>
-                                    <p:animEffect filter="fade" transition="in">
-                                      <p:cBhvr>
-                                        <p:cTn dur="1000"/>
-                                        <p:tgtEl>
-                                          <p:spTgt spid="121"/>
-                                        </p:tgtEl>
-                                      </p:cBhvr>
-                                    </p:animEffect>
-                                  </p:childTnLst>
-                                </p:cTn>
-                              </p:par>
-                            </p:childTnLst>
-                          </p:cTn>
-                        </p:par>
-                      </p:childTnLst>
-                    </p:cTn>
-                  </p:par>
-                  <p:par>
-                    <p:cTn fill="hold">
-                      <p:stCondLst>
-                        <p:cond delay="indefinite"/>
-                      </p:stCondLst>
-                      <p:childTnLst>
-                        <p:par>
-                          <p:cTn fill="hold">
-                            <p:stCondLst>
-                              <p:cond delay="0"/>
-                            </p:stCondLst>
-                            <p:childTnLst>
-                              <p:par>
-                                <p:cTn fill="hold" nodeType="clickEffect" presetClass="entr" presetID="10" presetSubtype="0">
-                                  <p:stCondLst>
-                                    <p:cond delay="0"/>
-                                  </p:stCondLst>
-                                  <p:childTnLst>
-                                    <p:set>
-                                      <p:cBhvr>
-                                        <p:cTn dur="1" fill="hold">
-                                          <p:stCondLst>
-                                            <p:cond delay="0"/>
-                                          </p:stCondLst>
-                                        </p:cTn>
-                                        <p:tgtEl>
-                                          <p:spTgt spid="104"/>
-                                        </p:tgtEl>
-                                        <p:attrNameLst>
-                                          <p:attrName>style.visibility</p:attrName>
-                                        </p:attrNameLst>
-                                      </p:cBhvr>
-                                      <p:to>
-                                        <p:strVal val="visible"/>
-                                      </p:to>
-                                    </p:set>
-                                    <p:animEffect filter="fade" transition="in">
-                                      <p:cBhvr>
-                                        <p:cTn dur="1000"/>
-                                        <p:tgtEl>
-                                          <p:spTgt spid="104"/>
-                                        </p:tgtEl>
-                                      </p:cBhvr>
-                                    </p:animEffect>
-                                  </p:childTnLst>
-                                </p:cTn>
-                              </p:par>
-                              <p:par>
-                                <p:cTn fill="hold" nodeType="withEffect" presetClass="entr" presetID="10" presetSubtype="0">
-                                  <p:stCondLst>
-                                    <p:cond delay="0"/>
-                                  </p:stCondLst>
-                                  <p:childTnLst>
-                                    <p:set>
-                                      <p:cBhvr>
-                                        <p:cTn dur="1" fill="hold">
-                                          <p:stCondLst>
-                                            <p:cond delay="0"/>
-                                          </p:stCondLst>
-                                        </p:cTn>
-                                        <p:tgtEl>
-                                          <p:spTgt spid="120"/>
-                                        </p:tgtEl>
-                                        <p:attrNameLst>
-                                          <p:attrName>style.visibility</p:attrName>
-                                        </p:attrNameLst>
-                                      </p:cBhvr>
-                                      <p:to>
-                                        <p:strVal val="visible"/>
-                                      </p:to>
-                                    </p:set>
-                                    <p:animEffect filter="fade" transition="in">
-                                      <p:cBhvr>
-                                        <p:cTn dur="1000"/>
-                                        <p:tgtEl>
-                                          <p:spTgt spid="120"/>
-                                        </p:tgtEl>
-                                      </p:cBhvr>
-                                    </p:animEffect>
-                                  </p:childTnLst>
-                                </p:cTn>
-                              </p:par>
-                            </p:childTnLst>
-                          </p:cTn>
-                        </p:par>
-                      </p:childTnLst>
-                    </p:cTn>
-                  </p:par>
-                  <p:par>
-                    <p:cTn fill="hold">
-                      <p:stCondLst>
-                        <p:cond delay="indefinite"/>
-                      </p:stCondLst>
-                      <p:childTnLst>
-                        <p:par>
-                          <p:cTn fill="hold">
-                            <p:stCondLst>
-                              <p:cond delay="0"/>
-                            </p:stCondLst>
-                            <p:childTnLst>
-                              <p:par>
-                                <p:cTn fill="hold" nodeType="clickEffect" presetClass="entr" presetID="10" presetSubtype="0">
-                                  <p:stCondLst>
-                                    <p:cond delay="0"/>
-                                  </p:stCondLst>
-                                  <p:childTnLst>
-                                    <p:set>
-                                      <p:cBhvr>
-                                        <p:cTn dur="1" fill="hold">
-                                          <p:stCondLst>
-                                            <p:cond delay="0"/>
-                                          </p:stCondLst>
-                                        </p:cTn>
-                                        <p:tgtEl>
-                                          <p:spTgt spid="129"/>
-                                        </p:tgtEl>
-                                        <p:attrNameLst>
-                                          <p:attrName>style.visibility</p:attrName>
-                                        </p:attrNameLst>
-                                      </p:cBhvr>
-                                      <p:to>
-                                        <p:strVal val="visible"/>
-                                      </p:to>
-                                    </p:set>
-                                    <p:animEffect filter="fade" transition="in">
-                                      <p:cBhvr>
-                                        <p:cTn dur="1000"/>
-                                        <p:tgtEl>
-                                          <p:spTgt spid="129"/>
-                                        </p:tgtEl>
-                                      </p:cBhvr>
-                                    </p:animEffect>
-                                  </p:childTnLst>
-                                </p:cTn>
-                              </p:par>
-                              <p:par>
-                                <p:cTn fill="hold" nodeType="withEffect" presetClass="entr" presetID="10" presetSubtype="0">
-                                  <p:stCondLst>
-                                    <p:cond delay="0"/>
-                                  </p:stCondLst>
-                                  <p:childTnLst>
-                                    <p:set>
-                                      <p:cBhvr>
-                                        <p:cTn dur="1" fill="hold">
-                                          <p:stCondLst>
-                                            <p:cond delay="0"/>
-                                          </p:stCondLst>
-                                        </p:cTn>
-                                        <p:tgtEl>
-                                          <p:spTgt spid="131"/>
-                                        </p:tgtEl>
-                                        <p:attrNameLst>
-                                          <p:attrName>style.visibility</p:attrName>
-                                        </p:attrNameLst>
-                                      </p:cBhvr>
-                                      <p:to>
-                                        <p:strVal val="visible"/>
-                                      </p:to>
-                                    </p:set>
-                                    <p:animEffect filter="fade" transition="in">
-                                      <p:cBhvr>
-                                        <p:cTn dur="1000"/>
-                                        <p:tgtEl>
-                                          <p:spTgt spid="131"/>
-                                        </p:tgtEl>
-                                      </p:cBhvr>
-                                    </p:animEffect>
-                                  </p:childTnLst>
-                                </p:cTn>
-                              </p:par>
-                              <p:par>
-                                <p:cTn fill="hold" nodeType="withEffect" presetClass="entr" presetID="10" presetSubtype="0">
-                                  <p:stCondLst>
-                                    <p:cond delay="0"/>
-                                  </p:stCondLst>
-                                  <p:childTnLst>
-                                    <p:set>
-                                      <p:cBhvr>
-                                        <p:cTn dur="1" fill="hold">
-                                          <p:stCondLst>
-                                            <p:cond delay="0"/>
-                                          </p:stCondLst>
-                                        </p:cTn>
-                                        <p:tgtEl>
-                                          <p:spTgt spid="130"/>
-                                        </p:tgtEl>
-                                        <p:attrNameLst>
-                                          <p:attrName>style.visibility</p:attrName>
-                                        </p:attrNameLst>
-                                      </p:cBhvr>
-                                      <p:to>
-                                        <p:strVal val="visible"/>
-                                      </p:to>
-                                    </p:set>
-                                    <p:animEffect filter="fade" transition="in">
-                                      <p:cBhvr>
-                                        <p:cTn dur="1000"/>
-                                        <p:tgtEl>
-                                          <p:spTgt spid="130"/>
                                         </p:tgtEl>
                                       </p:cBhvr>
                                     </p:animEffect>
@@ -15309,7 +15071,7 @@
                                           </p:stCondLst>
                                         </p:cTn>
                                         <p:tgtEl>
-                                          <p:spTgt spid="122"/>
+                                          <p:spTgt spid="121"/>
                                         </p:tgtEl>
                                         <p:attrNameLst>
                                           <p:attrName>style.visibility</p:attrName>
@@ -15323,7 +15085,7 @@
                                       <p:cBhvr>
                                         <p:cTn dur="1000"/>
                                         <p:tgtEl>
-                                          <p:spTgt spid="122"/>
+                                          <p:spTgt spid="121"/>
                                         </p:tgtEl>
                                       </p:cBhvr>
                                     </p:animEffect>
@@ -15385,6 +15147,59 @@
                               </p:par>
                               <p:par>
                                 <p:cTn fill="hold" nodeType="withEffect" presetClass="entr" presetID="10" presetSubtype="0">
+                                  <p:stCondLst>
+                                    <p:cond delay="0"/>
+                                  </p:stCondLst>
+                                  <p:childTnLst>
+                                    <p:set>
+                                      <p:cBhvr>
+                                        <p:cTn dur="1" fill="hold">
+                                          <p:stCondLst>
+                                            <p:cond delay="0"/>
+                                          </p:stCondLst>
+                                        </p:cTn>
+                                        <p:tgtEl>
+                                          <p:spTgt spid="122"/>
+                                        </p:tgtEl>
+                                        <p:attrNameLst>
+                                          <p:attrName>style.visibility</p:attrName>
+                                        </p:attrNameLst>
+                                      </p:cBhvr>
+                                      <p:to>
+                                        <p:strVal val="visible"/>
+                                      </p:to>
+                                    </p:set>
+                                    <p:animEffect filter="fade" transition="in">
+                                      <p:cBhvr>
+                                        <p:cTn dur="1000"/>
+                                        <p:tgtEl>
+                                          <p:spTgt spid="122"/>
+                                        </p:tgtEl>
+                                      </p:cBhvr>
+                                    </p:animEffect>
+                                  </p:childTnLst>
+                                </p:cTn>
+                              </p:par>
+                            </p:childTnLst>
+                          </p:cTn>
+                        </p:par>
+                      </p:childTnLst>
+                    </p:cTn>
+                  </p:par>
+                  <p:par>
+                    <p:cTn fill="hold">
+                      <p:stCondLst>
+                        <p:cond delay="indefinite"/>
+                      </p:stCondLst>
+                      <p:childTnLst>
+                        <p:par>
+                          <p:cTn fill="hold">
+                            <p:stCondLst>
+                              <p:cond delay="0"/>
+                            </p:stCondLst>
+                            <p:childTnLst>
+                              <p:par>
+                                <p:cTn fill="hold" nodeType="clickEffect" presetClass="entr" presetID="10" presetSubtype="0">
                                   <p:stCondLst>
                                     <p:cond delay="0"/>
                                   </p:stCondLst>
@@ -15485,7 +15300,7 @@
                                           </p:stCondLst>
                                         </p:cTn>
                                         <p:tgtEl>
-                                          <p:spTgt spid="109"/>
+                                          <p:spTgt spid="110"/>
                                         </p:tgtEl>
                                         <p:attrNameLst>
                                           <p:attrName>style.visibility</p:attrName>
@@ -15499,7 +15314,7 @@
                                       <p:cBhvr>
                                         <p:cTn dur="1000"/>
                                         <p:tgtEl>
-                                          <p:spTgt spid="109"/>
+                                          <p:spTgt spid="110"/>
                                         </p:tgtEl>
                                       </p:cBhvr>
                                     </p:animEffect>
@@ -15573,7 +15388,7 @@
                                           </p:stCondLst>
                                         </p:cTn>
                                         <p:tgtEl>
-                                          <p:spTgt spid="110"/>
+                                          <p:spTgt spid="126"/>
                                         </p:tgtEl>
                                         <p:attrNameLst>
                                           <p:attrName>style.visibility</p:attrName>
@@ -15587,15 +15402,33 @@
                                       <p:cBhvr>
                                         <p:cTn dur="1000"/>
                                         <p:tgtEl>
-                                          <p:spTgt spid="110"/>
+                                          <p:spTgt spid="126"/>
                                         </p:tgtEl>
                                       </p:cBhvr>
                                     </p:animEffect>
                                   </p:childTnLst>
                                 </p:cTn>
                               </p:par>
+                            </p:childTnLst>
+                          </p:cTn>
+                        </p:par>
+                      </p:childTnLst>
+                    </p:cTn>
+                  </p:par>
+                  <p:par>
+                    <p:cTn fill="hold">
+                      <p:stCondLst>
+                        <p:cond delay="indefinite"/>
+                      </p:stCondLst>
+                      <p:childTnLst>
+                        <p:par>
+                          <p:cTn fill="hold">
+                            <p:stCondLst>
+                              <p:cond delay="0"/>
+                            </p:stCondLst>
+                            <p:childTnLst>
                               <p:par>
-                                <p:cTn fill="hold" nodeType="withEffect" presetClass="entr" presetID="10" presetSubtype="0">
+                                <p:cTn fill="hold" nodeType="clickEffect" presetClass="entr" presetID="10" presetSubtype="0">
                                   <p:stCondLst>
                                     <p:cond delay="0"/>
                                   </p:stCondLst>
@@ -15608,7 +15441,7 @@
                                           </p:stCondLst>
                                         </p:cTn>
                                         <p:tgtEl>
-                                          <p:spTgt spid="111"/>
+                                          <p:spTgt spid="109"/>
                                         </p:tgtEl>
                                         <p:attrNameLst>
                                           <p:attrName>style.visibility</p:attrName>
@@ -15622,42 +15455,7 @@
                                       <p:cBhvr>
                                         <p:cTn dur="1000"/>
                                         <p:tgtEl>
-                                          <p:spTgt spid="111"/>
-                                        </p:tgtEl>
-                                      </p:cBhvr>
-                                    </p:animEffect>
-                                  </p:childTnLst>
-                                </p:cTn>
-                              </p:par>
-                              <p:par>
-                                <p:cTn fill="hold" nodeType="withEffect" presetClass="entr" presetID="10" presetSubtype="0">
-                                  <p:stCondLst>
-                                    <p:cond delay="0"/>
-                                  </p:stCondLst>
-                                  <p:childTnLst>
-                                    <p:set>
-                                      <p:cBhvr>
-                                        <p:cTn dur="1" fill="hold">
-                                          <p:stCondLst>
-                                            <p:cond delay="0"/>
-                                          </p:stCondLst>
-                                        </p:cTn>
-                                        <p:tgtEl>
-                                          <p:spTgt spid="112"/>
-                                        </p:tgtEl>
-                                        <p:attrNameLst>
-                                          <p:attrName>style.visibility</p:attrName>
-                                        </p:attrNameLst>
-                                      </p:cBhvr>
-                                      <p:to>
-                                        <p:strVal val="visible"/>
-                                      </p:to>
-                                    </p:set>
-                                    <p:animEffect filter="fade" transition="in">
-                                      <p:cBhvr>
-                                        <p:cTn dur="1000"/>
-                                        <p:tgtEl>
-                                          <p:spTgt spid="112"/>
+                                          <p:spTgt spid="109"/>
                                         </p:tgtEl>
                                       </p:cBhvr>
                                     </p:animEffect>
@@ -15731,6 +15529,252 @@
                                           </p:stCondLst>
                                         </p:cTn>
                                         <p:tgtEl>
+                                          <p:spTgt spid="134"/>
+                                        </p:tgtEl>
+                                        <p:attrNameLst>
+                                          <p:attrName>style.visibility</p:attrName>
+                                        </p:attrNameLst>
+                                      </p:cBhvr>
+                                      <p:to>
+                                        <p:strVal val="visible"/>
+                                      </p:to>
+                                    </p:set>
+                                    <p:animEffect filter="fade" transition="in">
+                                      <p:cBhvr>
+                                        <p:cTn dur="1000"/>
+                                        <p:tgtEl>
+                                          <p:spTgt spid="134"/>
+                                        </p:tgtEl>
+                                      </p:cBhvr>
+                                    </p:animEffect>
+                                  </p:childTnLst>
+                                </p:cTn>
+                              </p:par>
+                              <p:par>
+                                <p:cTn fill="hold" nodeType="withEffect" presetClass="entr" presetID="10" presetSubtype="0">
+                                  <p:stCondLst>
+                                    <p:cond delay="0"/>
+                                  </p:stCondLst>
+                                  <p:childTnLst>
+                                    <p:set>
+                                      <p:cBhvr>
+                                        <p:cTn dur="1" fill="hold">
+                                          <p:stCondLst>
+                                            <p:cond delay="0"/>
+                                          </p:stCondLst>
+                                        </p:cTn>
+                                        <p:tgtEl>
+                                          <p:spTgt spid="136"/>
+                                        </p:tgtEl>
+                                        <p:attrNameLst>
+                                          <p:attrName>style.visibility</p:attrName>
+                                        </p:attrNameLst>
+                                      </p:cBhvr>
+                                      <p:to>
+                                        <p:strVal val="visible"/>
+                                      </p:to>
+                                    </p:set>
+                                    <p:animEffect filter="fade" transition="in">
+                                      <p:cBhvr>
+                                        <p:cTn dur="1000"/>
+                                        <p:tgtEl>
+                                          <p:spTgt spid="136"/>
+                                        </p:tgtEl>
+                                      </p:cBhvr>
+                                    </p:animEffect>
+                                  </p:childTnLst>
+                                </p:cTn>
+                              </p:par>
+                              <p:par>
+                                <p:cTn fill="hold" nodeType="withEffect" presetClass="entr" presetID="10" presetSubtype="0">
+                                  <p:stCondLst>
+                                    <p:cond delay="0"/>
+                                  </p:stCondLst>
+                                  <p:childTnLst>
+                                    <p:set>
+                                      <p:cBhvr>
+                                        <p:cTn dur="1" fill="hold">
+                                          <p:stCondLst>
+                                            <p:cond delay="0"/>
+                                          </p:stCondLst>
+                                        </p:cTn>
+                                        <p:tgtEl>
+                                          <p:spTgt spid="135"/>
+                                        </p:tgtEl>
+                                        <p:attrNameLst>
+                                          <p:attrName>style.visibility</p:attrName>
+                                        </p:attrNameLst>
+                                      </p:cBhvr>
+                                      <p:to>
+                                        <p:strVal val="visible"/>
+                                      </p:to>
+                                    </p:set>
+                                    <p:animEffect filter="fade" transition="in">
+                                      <p:cBhvr>
+                                        <p:cTn dur="1000"/>
+                                        <p:tgtEl>
+                                          <p:spTgt spid="135"/>
+                                        </p:tgtEl>
+                                      </p:cBhvr>
+                                    </p:animEffect>
+                                  </p:childTnLst>
+                                </p:cTn>
+                              </p:par>
+                            </p:childTnLst>
+                          </p:cTn>
+                        </p:par>
+                      </p:childTnLst>
+                    </p:cTn>
+                  </p:par>
+                  <p:par>
+                    <p:cTn fill="hold">
+                      <p:stCondLst>
+                        <p:cond delay="indefinite"/>
+                      </p:stCondLst>
+                      <p:childTnLst>
+                        <p:par>
+                          <p:cTn fill="hold">
+                            <p:stCondLst>
+                              <p:cond delay="0"/>
+                            </p:stCondLst>
+                            <p:childTnLst>
+                              <p:par>
+                                <p:cTn fill="hold" nodeType="clickEffect" presetClass="entr" presetID="10" presetSubtype="0">
+                                  <p:stCondLst>
+                                    <p:cond delay="0"/>
+                                  </p:stCondLst>
+                                  <p:childTnLst>
+                                    <p:set>
+                                      <p:cBhvr>
+                                        <p:cTn dur="1" fill="hold">
+                                          <p:stCondLst>
+                                            <p:cond delay="0"/>
+                                          </p:stCondLst>
+                                        </p:cTn>
+                                        <p:tgtEl>
+                                          <p:spTgt spid="111"/>
+                                        </p:tgtEl>
+                                        <p:attrNameLst>
+                                          <p:attrName>style.visibility</p:attrName>
+                                        </p:attrNameLst>
+                                      </p:cBhvr>
+                                      <p:to>
+                                        <p:strVal val="visible"/>
+                                      </p:to>
+                                    </p:set>
+                                    <p:animEffect filter="fade" transition="in">
+                                      <p:cBhvr>
+                                        <p:cTn dur="1000"/>
+                                        <p:tgtEl>
+                                          <p:spTgt spid="111"/>
+                                        </p:tgtEl>
+                                      </p:cBhvr>
+                                    </p:animEffect>
+                                  </p:childTnLst>
+                                </p:cTn>
+                              </p:par>
+                              <p:par>
+                                <p:cTn fill="hold" nodeType="withEffect" presetClass="entr" presetID="10" presetSubtype="0">
+                                  <p:stCondLst>
+                                    <p:cond delay="0"/>
+                                  </p:stCondLst>
+                                  <p:childTnLst>
+                                    <p:set>
+                                      <p:cBhvr>
+                                        <p:cTn dur="1" fill="hold">
+                                          <p:stCondLst>
+                                            <p:cond delay="0"/>
+                                          </p:stCondLst>
+                                        </p:cTn>
+                                        <p:tgtEl>
+                                          <p:spTgt spid="127"/>
+                                        </p:tgtEl>
+                                        <p:attrNameLst>
+                                          <p:attrName>style.visibility</p:attrName>
+                                        </p:attrNameLst>
+                                      </p:cBhvr>
+                                      <p:to>
+                                        <p:strVal val="visible"/>
+                                      </p:to>
+                                    </p:set>
+                                    <p:animEffect filter="fade" transition="in">
+                                      <p:cBhvr>
+                                        <p:cTn dur="1000"/>
+                                        <p:tgtEl>
+                                          <p:spTgt spid="127"/>
+                                        </p:tgtEl>
+                                      </p:cBhvr>
+                                    </p:animEffect>
+                                  </p:childTnLst>
+                                </p:cTn>
+                              </p:par>
+                            </p:childTnLst>
+                          </p:cTn>
+                        </p:par>
+                      </p:childTnLst>
+                    </p:cTn>
+                  </p:par>
+                  <p:par>
+                    <p:cTn fill="hold">
+                      <p:stCondLst>
+                        <p:cond delay="indefinite"/>
+                      </p:stCondLst>
+                      <p:childTnLst>
+                        <p:par>
+                          <p:cTn fill="hold">
+                            <p:stCondLst>
+                              <p:cond delay="0"/>
+                            </p:stCondLst>
+                            <p:childTnLst>
+                              <p:par>
+                                <p:cTn fill="hold" nodeType="clickEffect" presetClass="entr" presetID="10" presetSubtype="0">
+                                  <p:stCondLst>
+                                    <p:cond delay="0"/>
+                                  </p:stCondLst>
+                                  <p:childTnLst>
+                                    <p:set>
+                                      <p:cBhvr>
+                                        <p:cTn dur="1" fill="hold">
+                                          <p:stCondLst>
+                                            <p:cond delay="0"/>
+                                          </p:stCondLst>
+                                        </p:cTn>
+                                        <p:tgtEl>
+                                          <p:spTgt spid="112"/>
+                                        </p:tgtEl>
+                                        <p:attrNameLst>
+                                          <p:attrName>style.visibility</p:attrName>
+                                        </p:attrNameLst>
+                                      </p:cBhvr>
+                                      <p:to>
+                                        <p:strVal val="visible"/>
+                                      </p:to>
+                                    </p:set>
+                                    <p:animEffect filter="fade" transition="in">
+                                      <p:cBhvr>
+                                        <p:cTn dur="1000"/>
+                                        <p:tgtEl>
+                                          <p:spTgt spid="112"/>
+                                        </p:tgtEl>
+                                      </p:cBhvr>
+                                    </p:animEffect>
+                                  </p:childTnLst>
+                                </p:cTn>
+                              </p:par>
+                              <p:par>
+                                <p:cTn fill="hold" nodeType="withEffect" presetClass="entr" presetID="10" presetSubtype="0">
+                                  <p:stCondLst>
+                                    <p:cond delay="0"/>
+                                  </p:stCondLst>
+                                  <p:childTnLst>
+                                    <p:set>
+                                      <p:cBhvr>
+                                        <p:cTn dur="1" fill="hold">
+                                          <p:stCondLst>
+                                            <p:cond delay="0"/>
+                                          </p:stCondLst>
+                                        </p:cTn>
+                                        <p:tgtEl>
                                           <p:spTgt spid="113"/>
                                         </p:tgtEl>
                                         <p:attrNameLst>
@@ -15766,7 +15810,7 @@
                                           </p:stCondLst>
                                         </p:cTn>
                                         <p:tgtEl>
-                                          <p:spTgt spid="126"/>
+                                          <p:spTgt spid="128"/>
                                         </p:tgtEl>
                                         <p:attrNameLst>
                                           <p:attrName>style.visibility</p:attrName>
@@ -15780,7 +15824,7 @@
                                       <p:cBhvr>
                                         <p:cTn dur="1000"/>
                                         <p:tgtEl>
-                                          <p:spTgt spid="126"/>
+                                          <p:spTgt spid="128"/>
                                         </p:tgtEl>
                                       </p:cBhvr>
                                     </p:animEffect>
@@ -15854,7 +15898,7 @@
                                           </p:stCondLst>
                                         </p:cTn>
                                         <p:tgtEl>
-                                          <p:spTgt spid="127"/>
+                                          <p:spTgt spid="129"/>
                                         </p:tgtEl>
                                         <p:attrNameLst>
                                           <p:attrName>style.visibility</p:attrName>
@@ -15868,7 +15912,7 @@
                                       <p:cBhvr>
                                         <p:cTn dur="1000"/>
                                         <p:tgtEl>
-                                          <p:spTgt spid="127"/>
+                                          <p:spTgt spid="129"/>
                                         </p:tgtEl>
                                       </p:cBhvr>
                                     </p:animEffect>
@@ -15942,7 +15986,7 @@
                                           </p:stCondLst>
                                         </p:cTn>
                                         <p:tgtEl>
-                                          <p:spTgt spid="128"/>
+                                          <p:spTgt spid="116"/>
                                         </p:tgtEl>
                                         <p:attrNameLst>
                                           <p:attrName>style.visibility</p:attrName>
@@ -15956,7 +16000,341 @@
                                       <p:cBhvr>
                                         <p:cTn dur="1000"/>
                                         <p:tgtEl>
-                                          <p:spTgt spid="128"/>
+                                          <p:spTgt spid="116"/>
+                                        </p:tgtEl>
+                                      </p:cBhvr>
+                                    </p:animEffect>
+                                  </p:childTnLst>
+                                </p:cTn>
+                              </p:par>
+                              <p:par>
+                                <p:cTn fill="hold" nodeType="withEffect" presetClass="entr" presetID="10" presetSubtype="0">
+                                  <p:stCondLst>
+                                    <p:cond delay="0"/>
+                                  </p:stCondLst>
+                                  <p:childTnLst>
+                                    <p:set>
+                                      <p:cBhvr>
+                                        <p:cTn dur="1" fill="hold">
+                                          <p:stCondLst>
+                                            <p:cond delay="0"/>
+                                          </p:stCondLst>
+                                        </p:cTn>
+                                        <p:tgtEl>
+                                          <p:spTgt spid="117"/>
+                                        </p:tgtEl>
+                                        <p:attrNameLst>
+                                          <p:attrName>style.visibility</p:attrName>
+                                        </p:attrNameLst>
+                                      </p:cBhvr>
+                                      <p:to>
+                                        <p:strVal val="visible"/>
+                                      </p:to>
+                                    </p:set>
+                                    <p:animEffect filter="fade" transition="in">
+                                      <p:cBhvr>
+                                        <p:cTn dur="1000"/>
+                                        <p:tgtEl>
+                                          <p:spTgt spid="117"/>
+                                        </p:tgtEl>
+                                      </p:cBhvr>
+                                    </p:animEffect>
+                                  </p:childTnLst>
+                                </p:cTn>
+                              </p:par>
+                              <p:par>
+                                <p:cTn fill="hold" nodeType="withEffect" presetClass="entr" presetID="10" presetSubtype="0">
+                                  <p:stCondLst>
+                                    <p:cond delay="0"/>
+                                  </p:stCondLst>
+                                  <p:childTnLst>
+                                    <p:set>
+                                      <p:cBhvr>
+                                        <p:cTn dur="1" fill="hold">
+                                          <p:stCondLst>
+                                            <p:cond delay="0"/>
+                                          </p:stCondLst>
+                                        </p:cTn>
+                                        <p:tgtEl>
+                                          <p:spTgt spid="130"/>
+                                        </p:tgtEl>
+                                        <p:attrNameLst>
+                                          <p:attrName>style.visibility</p:attrName>
+                                        </p:attrNameLst>
+                                      </p:cBhvr>
+                                      <p:to>
+                                        <p:strVal val="visible"/>
+                                      </p:to>
+                                    </p:set>
+                                    <p:animEffect filter="fade" transition="in">
+                                      <p:cBhvr>
+                                        <p:cTn dur="1000"/>
+                                        <p:tgtEl>
+                                          <p:spTgt spid="130"/>
+                                        </p:tgtEl>
+                                      </p:cBhvr>
+                                    </p:animEffect>
+                                  </p:childTnLst>
+                                </p:cTn>
+                              </p:par>
+                            </p:childTnLst>
+                          </p:cTn>
+                        </p:par>
+                      </p:childTnLst>
+                    </p:cTn>
+                  </p:par>
+                  <p:par>
+                    <p:cTn fill="hold">
+                      <p:stCondLst>
+                        <p:cond delay="indefinite"/>
+                      </p:stCondLst>
+                      <p:childTnLst>
+                        <p:par>
+                          <p:cTn fill="hold">
+                            <p:stCondLst>
+                              <p:cond delay="0"/>
+                            </p:stCondLst>
+                            <p:childTnLst>
+                              <p:par>
+                                <p:cTn fill="hold" nodeType="clickEffect" presetClass="entr" presetID="10" presetSubtype="0">
+                                  <p:stCondLst>
+                                    <p:cond delay="0"/>
+                                  </p:stCondLst>
+                                  <p:childTnLst>
+                                    <p:set>
+                                      <p:cBhvr>
+                                        <p:cTn dur="1" fill="hold">
+                                          <p:stCondLst>
+                                            <p:cond delay="0"/>
+                                          </p:stCondLst>
+                                        </p:cTn>
+                                        <p:tgtEl>
+                                          <p:spTgt spid="118"/>
+                                        </p:tgtEl>
+                                        <p:attrNameLst>
+                                          <p:attrName>style.visibility</p:attrName>
+                                        </p:attrNameLst>
+                                      </p:cBhvr>
+                                      <p:to>
+                                        <p:strVal val="visible"/>
+                                      </p:to>
+                                    </p:set>
+                                    <p:animEffect filter="fade" transition="in">
+                                      <p:cBhvr>
+                                        <p:cTn dur="1000"/>
+                                        <p:tgtEl>
+                                          <p:spTgt spid="118"/>
+                                        </p:tgtEl>
+                                      </p:cBhvr>
+                                    </p:animEffect>
+                                  </p:childTnLst>
+                                </p:cTn>
+                              </p:par>
+                              <p:par>
+                                <p:cTn fill="hold" nodeType="withEffect" presetClass="entr" presetID="10" presetSubtype="0">
+                                  <p:stCondLst>
+                                    <p:cond delay="0"/>
+                                  </p:stCondLst>
+                                  <p:childTnLst>
+                                    <p:set>
+                                      <p:cBhvr>
+                                        <p:cTn dur="1" fill="hold">
+                                          <p:stCondLst>
+                                            <p:cond delay="0"/>
+                                          </p:stCondLst>
+                                        </p:cTn>
+                                        <p:tgtEl>
+                                          <p:spTgt spid="131"/>
+                                        </p:tgtEl>
+                                        <p:attrNameLst>
+                                          <p:attrName>style.visibility</p:attrName>
+                                        </p:attrNameLst>
+                                      </p:cBhvr>
+                                      <p:to>
+                                        <p:strVal val="visible"/>
+                                      </p:to>
+                                    </p:set>
+                                    <p:animEffect filter="fade" transition="in">
+                                      <p:cBhvr>
+                                        <p:cTn dur="1000"/>
+                                        <p:tgtEl>
+                                          <p:spTgt spid="131"/>
+                                        </p:tgtEl>
+                                      </p:cBhvr>
+                                    </p:animEffect>
+                                  </p:childTnLst>
+                                </p:cTn>
+                              </p:par>
+                            </p:childTnLst>
+                          </p:cTn>
+                        </p:par>
+                      </p:childTnLst>
+                    </p:cTn>
+                  </p:par>
+                  <p:par>
+                    <p:cTn fill="hold">
+                      <p:stCondLst>
+                        <p:cond delay="indefinite"/>
+                      </p:stCondLst>
+                      <p:childTnLst>
+                        <p:par>
+                          <p:cTn fill="hold">
+                            <p:stCondLst>
+                              <p:cond delay="0"/>
+                            </p:stCondLst>
+                            <p:childTnLst>
+                              <p:par>
+                                <p:cTn fill="hold" nodeType="clickEffect" presetClass="entr" presetID="10" presetSubtype="0">
+                                  <p:stCondLst>
+                                    <p:cond delay="0"/>
+                                  </p:stCondLst>
+                                  <p:childTnLst>
+                                    <p:set>
+                                      <p:cBhvr>
+                                        <p:cTn dur="1" fill="hold">
+                                          <p:stCondLst>
+                                            <p:cond delay="0"/>
+                                          </p:stCondLst>
+                                        </p:cTn>
+                                        <p:tgtEl>
+                                          <p:spTgt spid="119"/>
+                                        </p:tgtEl>
+                                        <p:attrNameLst>
+                                          <p:attrName>style.visibility</p:attrName>
+                                        </p:attrNameLst>
+                                      </p:cBhvr>
+                                      <p:to>
+                                        <p:strVal val="visible"/>
+                                      </p:to>
+                                    </p:set>
+                                    <p:animEffect filter="fade" transition="in">
+                                      <p:cBhvr>
+                                        <p:cTn dur="1000"/>
+                                        <p:tgtEl>
+                                          <p:spTgt spid="119"/>
+                                        </p:tgtEl>
+                                      </p:cBhvr>
+                                    </p:animEffect>
+                                  </p:childTnLst>
+                                </p:cTn>
+                              </p:par>
+                              <p:par>
+                                <p:cTn fill="hold" nodeType="withEffect" presetClass="entr" presetID="10" presetSubtype="0">
+                                  <p:stCondLst>
+                                    <p:cond delay="0"/>
+                                  </p:stCondLst>
+                                  <p:childTnLst>
+                                    <p:set>
+                                      <p:cBhvr>
+                                        <p:cTn dur="1" fill="hold">
+                                          <p:stCondLst>
+                                            <p:cond delay="0"/>
+                                          </p:stCondLst>
+                                        </p:cTn>
+                                        <p:tgtEl>
+                                          <p:spTgt spid="132"/>
+                                        </p:tgtEl>
+                                        <p:attrNameLst>
+                                          <p:attrName>style.visibility</p:attrName>
+                                        </p:attrNameLst>
+                                      </p:cBhvr>
+                                      <p:to>
+                                        <p:strVal val="visible"/>
+                                      </p:to>
+                                    </p:set>
+                                    <p:animEffect filter="fade" transition="in">
+                                      <p:cBhvr>
+                                        <p:cTn dur="1000"/>
+                                        <p:tgtEl>
+                                          <p:spTgt spid="132"/>
+                                        </p:tgtEl>
+                                      </p:cBhvr>
+                                    </p:animEffect>
+                                  </p:childTnLst>
+                                </p:cTn>
+                              </p:par>
+                            </p:childTnLst>
+                          </p:cTn>
+                        </p:par>
+                      </p:childTnLst>
+                    </p:cTn>
+                  </p:par>
+                  <p:par>
+                    <p:cTn fill="hold">
+                      <p:stCondLst>
+                        <p:cond delay="indefinite"/>
+                      </p:stCondLst>
+                      <p:childTnLst>
+                        <p:par>
+                          <p:cTn fill="hold">
+                            <p:stCondLst>
+                              <p:cond delay="0"/>
+                            </p:stCondLst>
+                            <p:childTnLst>
+                              <p:par>
+                                <p:cTn fill="hold" nodeType="clickEffect" presetClass="entr" presetID="10" presetSubtype="0">
+                                  <p:stCondLst>
+                                    <p:cond delay="0"/>
+                                  </p:stCondLst>
+                                  <p:childTnLst>
+                                    <p:set>
+                                      <p:cBhvr>
+                                        <p:cTn dur="1" fill="hold">
+                                          <p:stCondLst>
+                                            <p:cond delay="0"/>
+                                          </p:stCondLst>
+                                        </p:cTn>
+                                        <p:tgtEl>
+                                          <p:spTgt spid="120"/>
+                                        </p:tgtEl>
+                                        <p:attrNameLst>
+                                          <p:attrName>style.visibility</p:attrName>
+                                        </p:attrNameLst>
+                                      </p:cBhvr>
+                                      <p:to>
+                                        <p:strVal val="visible"/>
+                                      </p:to>
+                                    </p:set>
+                                    <p:animEffect filter="fade" transition="in">
+                                      <p:cBhvr>
+                                        <p:cTn dur="1000"/>
+                                        <p:tgtEl>
+                                          <p:spTgt spid="120"/>
+                                        </p:tgtEl>
+                                      </p:cBhvr>
+                                    </p:animEffect>
+                                  </p:childTnLst>
+                                </p:cTn>
+                              </p:par>
+                              <p:par>
+                                <p:cTn fill="hold" nodeType="withEffect" presetClass="entr" presetID="10" presetSubtype="0">
+                                  <p:stCondLst>
+                                    <p:cond delay="0"/>
+                                  </p:stCondLst>
+                                  <p:childTnLst>
+                                    <p:set>
+                                      <p:cBhvr>
+                                        <p:cTn dur="1" fill="hold">
+                                          <p:stCondLst>
+                                            <p:cond delay="0"/>
+                                          </p:stCondLst>
+                                        </p:cTn>
+                                        <p:tgtEl>
+                                          <p:spTgt spid="133"/>
+                                        </p:tgtEl>
+                                        <p:attrNameLst>
+                                          <p:attrName>style.visibility</p:attrName>
+                                        </p:attrNameLst>
+                                      </p:cBhvr>
+                                      <p:to>
+                                        <p:strVal val="visible"/>
+                                      </p:to>
+                                    </p:set>
+                                    <p:animEffect filter="fade" transition="in">
+                                      <p:cBhvr>
+                                        <p:cTn dur="1000"/>
+                                        <p:tgtEl>
+                                          <p:spTgt spid="133"/>
                                         </p:tgtEl>
                                       </p:cBhvr>
                                     </p:animEffect>
@@ -15999,7 +16377,7 @@
   <p:cSld>
     <p:spTree>
       <p:nvGrpSpPr>
-        <p:cNvPr id="135" name="Shape 135"/>
+        <p:cNvPr id="141" name="Shape 141"/>
         <p:cNvGrpSpPr/>
         <p:nvPr/>
       </p:nvGrpSpPr>
@@ -16013,7 +16391,7 @@
       </p:grpSpPr>
       <p:graphicFrame>
         <p:nvGraphicFramePr>
-          <p:cNvPr id="136" name="Google Shape;136;g10cea81d82c_0_0"/>
+          <p:cNvPr id="142" name="Google Shape;142;g10cea81d82c_0_0"/>
           <p:cNvGraphicFramePr/>
           <p:nvPr/>
         </p:nvGraphicFramePr>
@@ -16026,7 +16404,7 @@
             <a:tbl>
               <a:tblPr>
                 <a:noFill/>
-                <a:tableStyleId>{C34197B7-137E-4FE4-B214-23D270FCB692}</a:tableStyleId>
+                <a:tableStyleId>{50E46CCC-CEF8-4AB5-9535-4503F1F5C8F2}</a:tableStyleId>
               </a:tblPr>
               <a:tblGrid>
                 <a:gridCol w="2971850"/>
@@ -16166,7 +16544,7 @@
       </p:graphicFrame>
       <p:sp>
         <p:nvSpPr>
-          <p:cNvPr id="137" name="Google Shape;137;g10cea81d82c_0_0"/>
+          <p:cNvPr id="143" name="Google Shape;143;g10cea81d82c_0_0"/>
           <p:cNvSpPr txBox="1"/>
           <p:nvPr/>
         </p:nvSpPr>
@@ -16216,7 +16594,7 @@
       </p:sp>
       <p:sp>
         <p:nvSpPr>
-          <p:cNvPr id="138" name="Google Shape;138;g10cea81d82c_0_0"/>
+          <p:cNvPr id="144" name="Google Shape;144;g10cea81d82c_0_0"/>
           <p:cNvSpPr txBox="1"/>
           <p:nvPr/>
         </p:nvSpPr>
@@ -16266,7 +16644,7 @@
       </p:sp>
       <p:sp>
         <p:nvSpPr>
-          <p:cNvPr id="139" name="Google Shape;139;g10cea81d82c_0_0"/>
+          <p:cNvPr id="145" name="Google Shape;145;g10cea81d82c_0_0"/>
           <p:cNvSpPr txBox="1"/>
           <p:nvPr/>
         </p:nvSpPr>
@@ -16310,6 +16688,69 @@
               <a:solidFill>
                 <a:srgbClr val="9900FF"/>
               </a:solidFill>
+            </a:endParaRPr>
+          </a:p>
+        </p:txBody>
+      </p:sp>
+      <p:sp>
+        <p:nvSpPr>
+          <p:cNvPr id="146" name="Google Shape;146;g10cea81d82c_0_0"/>
+          <p:cNvSpPr/>
+          <p:nvPr/>
+        </p:nvSpPr>
+        <p:spPr>
+          <a:xfrm>
+            <a:off x="16050" y="24750"/>
+            <a:ext cx="9111900" cy="5094000"/>
+          </a:xfrm>
+          <a:prstGeom prst="rect">
+            <a:avLst/>
+          </a:prstGeom>
+          <a:noFill/>
+          <a:ln cap="flat" cmpd="sng" w="9525">
+            <a:solidFill>
+              <a:srgbClr val="1155CC"/>
+            </a:solidFill>
+            <a:prstDash val="solid"/>
+            <a:round/>
+            <a:headEnd len="sm" w="sm" type="none"/>
+            <a:tailEnd len="sm" w="sm" type="none"/>
+          </a:ln>
+        </p:spPr>
+        <p:txBody>
+          <a:bodyPr anchorCtr="0" anchor="ctr" bIns="91425" lIns="91425" spcFirstLastPara="1" rIns="91425" wrap="square" tIns="91425">
+            <a:noAutofit/>
+          </a:bodyPr>
+          <a:lstStyle/>
+          <a:p>
+            <a:pPr indent="0" lvl="0" marL="0" marR="0" rtl="0" algn="l">
+              <a:lnSpc>
+                <a:spcPct val="100000"/>
+              </a:lnSpc>
+              <a:spcBef>
+                <a:spcPts val="0"/>
+              </a:spcBef>
+              <a:spcAft>
+                <a:spcPts val="0"/>
+              </a:spcAft>
+              <a:buClr>
+                <a:srgbClr val="000000"/>
+              </a:buClr>
+              <a:buSzPts val="1400"/>
+              <a:buFont typeface="Arial"/>
+              <a:buNone/>
+            </a:pPr>
+            <a:r>
+              <a:t/>
+            </a:r>
+            <a:endParaRPr b="0" i="0" sz="1400" u="none" cap="none" strike="noStrike">
+              <a:solidFill>
+                <a:srgbClr val="000000"/>
+              </a:solidFill>
+              <a:latin typeface="Arial"/>
+              <a:ea typeface="Arial"/>
+              <a:cs typeface="Arial"/>
+              <a:sym typeface="Arial"/>
             </a:endParaRPr>
           </a:p>
         </p:txBody>
